--- a/16_TrainSet.pptx
+++ b/16_TrainSet.pptx
@@ -5,7 +5,7 @@
     <p:sldMasterId id="2147483648" r:id="rId1"/>
   </p:sldMasterIdLst>
   <p:notesMasterIdLst>
-    <p:notesMasterId r:id="rId22"/>
+    <p:notesMasterId r:id="rId28"/>
   </p:notesMasterIdLst>
   <p:sldIdLst>
     <p:sldId id="256" r:id="rId2"/>
@@ -27,7 +27,13 @@
     <p:sldId id="300" r:id="rId18"/>
     <p:sldId id="305" r:id="rId19"/>
     <p:sldId id="303" r:id="rId20"/>
-    <p:sldId id="259" r:id="rId21"/>
+    <p:sldId id="306" r:id="rId21"/>
+    <p:sldId id="307" r:id="rId22"/>
+    <p:sldId id="308" r:id="rId23"/>
+    <p:sldId id="309" r:id="rId24"/>
+    <p:sldId id="310" r:id="rId25"/>
+    <p:sldId id="311" r:id="rId26"/>
+    <p:sldId id="259" r:id="rId27"/>
   </p:sldIdLst>
   <p:sldSz cx="9144000" cy="6858000" type="screen4x3"/>
   <p:notesSz cx="6858000" cy="9144000"/>
@@ -228,7 +234,7 @@
             <a:fld id="{6837EDA8-41C8-4B24-A206-13C08A65A6D7}" type="datetimeFigureOut">
               <a:rPr lang="zh-TW" altLang="en-US" smtClean="0"/>
               <a:pPr/>
-              <a:t>2020/5/28</a:t>
+              <a:t>2020/5/30</a:t>
             </a:fld>
             <a:endParaRPr lang="zh-TW" altLang="en-US"/>
           </a:p>
@@ -681,7 +687,7 @@
             <a:fld id="{8B85509C-BD4F-47BF-9B1E-FC2E949B3621}" type="datetime1">
               <a:rPr lang="zh-TW" altLang="en-US" smtClean="0"/>
               <a:pPr/>
-              <a:t>2020/5/28</a:t>
+              <a:t>2020/5/30</a:t>
             </a:fld>
             <a:endParaRPr lang="zh-TW" altLang="en-US"/>
           </a:p>
@@ -854,7 +860,7 @@
             <a:fld id="{42251B24-F787-4C15-8A0F-7AEC20C70069}" type="datetime1">
               <a:rPr lang="zh-TW" altLang="en-US" smtClean="0"/>
               <a:pPr/>
-              <a:t>2020/5/28</a:t>
+              <a:t>2020/5/30</a:t>
             </a:fld>
             <a:endParaRPr lang="zh-TW" altLang="en-US"/>
           </a:p>
@@ -1029,7 +1035,7 @@
             <a:fld id="{9CA0D33C-CE2B-45F1-B8D4-FFD1F131F331}" type="datetime1">
               <a:rPr lang="zh-TW" altLang="en-US" smtClean="0"/>
               <a:pPr/>
-              <a:t>2020/5/28</a:t>
+              <a:t>2020/5/30</a:t>
             </a:fld>
             <a:endParaRPr lang="zh-TW" altLang="en-US"/>
           </a:p>
@@ -1194,7 +1200,7 @@
             <a:fld id="{50B99440-D9EF-40CC-9B52-F6428D9B2C76}" type="datetime1">
               <a:rPr lang="zh-TW" altLang="en-US" smtClean="0"/>
               <a:pPr/>
-              <a:t>2020/5/28</a:t>
+              <a:t>2020/5/30</a:t>
             </a:fld>
             <a:endParaRPr lang="zh-TW" altLang="en-US"/>
           </a:p>
@@ -1436,7 +1442,7 @@
             <a:fld id="{0871BF52-5C6C-4959-8E27-CECB68D39FE4}" type="datetime1">
               <a:rPr lang="zh-TW" altLang="en-US" smtClean="0"/>
               <a:pPr/>
-              <a:t>2020/5/28</a:t>
+              <a:t>2020/5/30</a:t>
             </a:fld>
             <a:endParaRPr lang="zh-TW" altLang="en-US"/>
           </a:p>
@@ -1718,7 +1724,7 @@
             <a:fld id="{DF863F05-2DD9-4EB1-A827-12FD992DE9DC}" type="datetime1">
               <a:rPr lang="zh-TW" altLang="en-US" smtClean="0"/>
               <a:pPr/>
-              <a:t>2020/5/28</a:t>
+              <a:t>2020/5/30</a:t>
             </a:fld>
             <a:endParaRPr lang="zh-TW" altLang="en-US"/>
           </a:p>
@@ -2134,7 +2140,7 @@
             <a:fld id="{6339AF51-4491-4873-A096-75DB6CE47516}" type="datetime1">
               <a:rPr lang="zh-TW" altLang="en-US" smtClean="0"/>
               <a:pPr/>
-              <a:t>2020/5/28</a:t>
+              <a:t>2020/5/30</a:t>
             </a:fld>
             <a:endParaRPr lang="zh-TW" altLang="en-US"/>
           </a:p>
@@ -2248,7 +2254,7 @@
             <a:fld id="{EE4AD9C8-8B9E-40FF-ABE2-858AC2057BBB}" type="datetime1">
               <a:rPr lang="zh-TW" altLang="en-US" smtClean="0"/>
               <a:pPr/>
-              <a:t>2020/5/28</a:t>
+              <a:t>2020/5/30</a:t>
             </a:fld>
             <a:endParaRPr lang="zh-TW" altLang="en-US"/>
           </a:p>
@@ -2340,7 +2346,7 @@
             <a:fld id="{B4784999-BBBE-4BE4-A8D0-877E7D1D66CC}" type="datetime1">
               <a:rPr lang="zh-TW" altLang="en-US" smtClean="0"/>
               <a:pPr/>
-              <a:t>2020/5/28</a:t>
+              <a:t>2020/5/30</a:t>
             </a:fld>
             <a:endParaRPr lang="zh-TW" altLang="en-US"/>
           </a:p>
@@ -2612,7 +2618,7 @@
             <a:fld id="{E88D17E6-02BD-4944-B9FE-7BFCCBF83D48}" type="datetime1">
               <a:rPr lang="zh-TW" altLang="en-US" smtClean="0"/>
               <a:pPr/>
-              <a:t>2020/5/28</a:t>
+              <a:t>2020/5/30</a:t>
             </a:fld>
             <a:endParaRPr lang="zh-TW" altLang="en-US"/>
           </a:p>
@@ -2861,7 +2867,7 @@
             <a:fld id="{3C13E23D-1FEF-4D78-A3A3-3D6F2BB31954}" type="datetime1">
               <a:rPr lang="zh-TW" altLang="en-US" smtClean="0"/>
               <a:pPr/>
-              <a:t>2020/5/28</a:t>
+              <a:t>2020/5/30</a:t>
             </a:fld>
             <a:endParaRPr lang="zh-TW" altLang="en-US"/>
           </a:p>
@@ -3069,7 +3075,7 @@
             <a:fld id="{06197F35-AD6F-4594-8B50-334492D2E7E8}" type="datetime1">
               <a:rPr lang="zh-TW" altLang="en-US" smtClean="0"/>
               <a:pPr/>
-              <a:t>2020/5/28</a:t>
+              <a:t>2020/5/30</a:t>
             </a:fld>
             <a:endParaRPr lang="zh-TW" altLang="en-US"/>
           </a:p>
@@ -3530,7 +3536,7 @@
             <a:fld id="{C389EDC9-19E3-47AC-9C57-C6A24DEA81AD}" type="datetime1">
               <a:rPr lang="zh-TW" altLang="en-US" smtClean="0"/>
               <a:pPr/>
-              <a:t>2020/5/28</a:t>
+              <a:t>2020/5/30</a:t>
             </a:fld>
             <a:endParaRPr lang="zh-TW" altLang="en-US"/>
           </a:p>
@@ -4045,7 +4051,7 @@
             <a:fld id="{A4F910E6-8D00-4BAF-8C48-9688E0B449D3}" type="datetime1">
               <a:rPr lang="zh-TW" altLang="en-US" smtClean="0"/>
               <a:pPr/>
-              <a:t>2020/5/28</a:t>
+              <a:t>2020/5/30</a:t>
             </a:fld>
             <a:endParaRPr lang="zh-TW" altLang="en-US"/>
           </a:p>
@@ -4491,7 +4497,7 @@
             <a:fld id="{A4F910E6-8D00-4BAF-8C48-9688E0B449D3}" type="datetime1">
               <a:rPr lang="zh-TW" altLang="en-US" smtClean="0"/>
               <a:pPr/>
-              <a:t>2020/5/28</a:t>
+              <a:t>2020/5/30</a:t>
             </a:fld>
             <a:endParaRPr lang="zh-TW" altLang="en-US"/>
           </a:p>
@@ -4997,7 +5003,7 @@
             <a:fld id="{A4F910E6-8D00-4BAF-8C48-9688E0B449D3}" type="datetime1">
               <a:rPr lang="zh-TW" altLang="en-US" smtClean="0"/>
               <a:pPr/>
-              <a:t>2020/5/28</a:t>
+              <a:t>2020/5/30</a:t>
             </a:fld>
             <a:endParaRPr lang="zh-TW" altLang="en-US"/>
           </a:p>
@@ -5263,7 +5269,7 @@
             <a:fld id="{A4F910E6-8D00-4BAF-8C48-9688E0B449D3}" type="datetime1">
               <a:rPr lang="zh-TW" altLang="en-US" smtClean="0"/>
               <a:pPr/>
-              <a:t>2020/5/28</a:t>
+              <a:t>2020/5/30</a:t>
             </a:fld>
             <a:endParaRPr lang="zh-TW" altLang="en-US"/>
           </a:p>
@@ -5452,7 +5458,7 @@
             <a:fld id="{C389EDC9-19E3-47AC-9C57-C6A24DEA81AD}" type="datetime1">
               <a:rPr lang="zh-TW" altLang="en-US" smtClean="0"/>
               <a:pPr/>
-              <a:t>2020/5/28</a:t>
+              <a:t>2020/5/30</a:t>
             </a:fld>
             <a:endParaRPr lang="zh-TW" altLang="en-US"/>
           </a:p>
@@ -5919,7 +5925,7 @@
             <a:fld id="{A4F910E6-8D00-4BAF-8C48-9688E0B449D3}" type="datetime1">
               <a:rPr lang="zh-TW" altLang="en-US" smtClean="0"/>
               <a:pPr/>
-              <a:t>2020/5/28</a:t>
+              <a:t>2020/5/30</a:t>
             </a:fld>
             <a:endParaRPr lang="zh-TW" altLang="en-US"/>
           </a:p>
@@ -6516,7 +6522,7 @@
             <a:fld id="{A4F910E6-8D00-4BAF-8C48-9688E0B449D3}" type="datetime1">
               <a:rPr lang="zh-TW" altLang="en-US" smtClean="0"/>
               <a:pPr/>
-              <a:t>2020/5/28</a:t>
+              <a:t>2020/5/30</a:t>
             </a:fld>
             <a:endParaRPr lang="zh-TW" altLang="en-US"/>
           </a:p>
@@ -6828,7 +6834,7 @@
             <a:fld id="{A4F910E6-8D00-4BAF-8C48-9688E0B449D3}" type="datetime1">
               <a:rPr lang="zh-TW" altLang="en-US" smtClean="0"/>
               <a:pPr/>
-              <a:t>2020/5/28</a:t>
+              <a:t>2020/5/30</a:t>
             </a:fld>
             <a:endParaRPr lang="zh-TW" altLang="en-US"/>
           </a:p>
@@ -7017,7 +7023,7 @@
             <a:fld id="{C389EDC9-19E3-47AC-9C57-C6A24DEA81AD}" type="datetime1">
               <a:rPr lang="zh-TW" altLang="en-US" smtClean="0"/>
               <a:pPr/>
-              <a:t>2020/5/28</a:t>
+              <a:t>2020/5/30</a:t>
             </a:fld>
             <a:endParaRPr lang="zh-TW" altLang="en-US"/>
           </a:p>
@@ -7329,7 +7335,7 @@
             <a:fld id="{A4F910E6-8D00-4BAF-8C48-9688E0B449D3}" type="datetime1">
               <a:rPr lang="zh-TW" altLang="en-US" smtClean="0"/>
               <a:pPr/>
-              <a:t>2020/5/28</a:t>
+              <a:t>2020/5/30</a:t>
             </a:fld>
             <a:endParaRPr lang="zh-TW" altLang="en-US"/>
           </a:p>
@@ -7897,7 +7903,7 @@
             <a:fld id="{A4F910E6-8D00-4BAF-8C48-9688E0B449D3}" type="datetime1">
               <a:rPr lang="zh-TW" altLang="en-US" smtClean="0"/>
               <a:pPr/>
-              <a:t>2020/5/28</a:t>
+              <a:t>2020/5/30</a:t>
             </a:fld>
             <a:endParaRPr lang="zh-TW" altLang="en-US"/>
           </a:p>
@@ -7972,32 +7978,9 @@
             <a:off x="0" y="2130425"/>
             <a:ext cx="9144000" cy="1470025"/>
           </a:xfrm>
-          <a:gradFill flip="none" rotWithShape="1">
-            <a:gsLst>
-              <a:gs pos="0">
-                <a:srgbClr val="00B0F0">
-                  <a:shade val="30000"/>
-                  <a:satMod val="115000"/>
-                </a:srgbClr>
-              </a:gs>
-              <a:gs pos="50000">
-                <a:srgbClr val="00B0F0">
-                  <a:shade val="67500"/>
-                  <a:satMod val="115000"/>
-                </a:srgbClr>
-              </a:gs>
-              <a:gs pos="100000">
-                <a:srgbClr val="00B0F0">
-                  <a:shade val="100000"/>
-                  <a:satMod val="115000"/>
-                </a:srgbClr>
-              </a:gs>
-            </a:gsLst>
-            <a:path path="circle">
-              <a:fillToRect t="100000" r="100000"/>
-            </a:path>
-            <a:tileRect l="-100000" b="-100000"/>
-          </a:gradFill>
+          <a:solidFill>
+            <a:srgbClr val="00B0F0"/>
+          </a:solidFill>
         </p:spPr>
         <p:txBody>
           <a:bodyPr>
@@ -8006,14 +7989,14 @@
           <a:lstStyle/>
           <a:p>
             <a:r>
-              <a:rPr lang="en-US" altLang="zh-TW" sz="6000" b="1" dirty="0">
+              <a:rPr lang="en-US" altLang="zh-TW" sz="4800" b="1" dirty="0">
                 <a:solidFill>
                   <a:srgbClr val="FFFF00"/>
                 </a:solidFill>
               </a:rPr>
-              <a:t>End of Chapter</a:t>
-            </a:r>
-            <a:endParaRPr lang="zh-TW" altLang="en-US" sz="6000" b="1" dirty="0">
+              <a:t>16.4 Summary</a:t>
+            </a:r>
+            <a:endParaRPr lang="zh-TW" altLang="en-US" sz="4800" b="1" dirty="0">
               <a:solidFill>
                 <a:srgbClr val="FFFF00"/>
               </a:solidFill>
@@ -8036,10 +8019,10 @@
           <a:bodyPr/>
           <a:lstStyle/>
           <a:p>
-            <a:fld id="{4E46BE27-E923-4EC2-B046-3272AE2A3E5C}" type="datetime1">
+            <a:fld id="{C389EDC9-19E3-47AC-9C57-C6A24DEA81AD}" type="datetime1">
               <a:rPr lang="zh-TW" altLang="en-US" smtClean="0"/>
               <a:pPr/>
-              <a:t>2020/5/28</a:t>
+              <a:t>2020/5/30</a:t>
             </a:fld>
             <a:endParaRPr lang="zh-TW" altLang="en-US"/>
           </a:p>
@@ -8069,7 +8052,42 @@
           </a:p>
         </p:txBody>
       </p:sp>
+      <p:pic>
+        <p:nvPicPr>
+          <p:cNvPr id="7" name="Picture 6">
+            <a:extLst>
+              <a:ext uri="{FF2B5EF4-FFF2-40B4-BE49-F238E27FC236}">
+                <a16:creationId xmlns:a16="http://schemas.microsoft.com/office/drawing/2014/main" id="{6036082F-9FF3-4FD3-AAB6-79929EA80D69}"/>
+              </a:ext>
+            </a:extLst>
+          </p:cNvPr>
+          <p:cNvPicPr>
+            <a:picLocks noChangeAspect="1"/>
+          </p:cNvPicPr>
+          <p:nvPr/>
+        </p:nvPicPr>
+        <p:blipFill>
+          <a:blip r:embed="rId2"/>
+          <a:stretch>
+            <a:fillRect/>
+          </a:stretch>
+        </p:blipFill>
+        <p:spPr>
+          <a:xfrm>
+            <a:off x="3995936" y="3646102"/>
+            <a:ext cx="833859" cy="989784"/>
+          </a:xfrm>
+          <a:prstGeom prst="rect">
+            <a:avLst/>
+          </a:prstGeom>
+        </p:spPr>
+      </p:pic>
     </p:spTree>
+    <p:extLst>
+      <p:ext uri="{BB962C8B-B14F-4D97-AF65-F5344CB8AC3E}">
+        <p14:creationId xmlns:p14="http://schemas.microsoft.com/office/powerpoint/2010/main" val="365592565"/>
+      </p:ext>
+    </p:extLst>
   </p:cSld>
   <p:clrMapOvr>
     <a:masterClrMapping/>
@@ -8077,7 +8095,7 @@
 </p:sld>
 </file>
 
-<file path=ppt/slides/slide3.xml><?xml version="1.0" encoding="utf-8"?>
+<file path=ppt/slides/slide21.xml><?xml version="1.0" encoding="utf-8"?>
 <p:sld xmlns:a="http://schemas.openxmlformats.org/drawingml/2006/main" xmlns:r="http://schemas.openxmlformats.org/officeDocument/2006/relationships" xmlns:p="http://schemas.openxmlformats.org/presentationml/2006/main">
   <p:cSld>
     <p:spTree>
@@ -8149,7 +8167,7 @@
                   <a:srgbClr val="FFFF00"/>
                 </a:solidFill>
               </a:rPr>
-              <a:t>16 Training Set (Part 2)</a:t>
+              <a:t>16.4 Summary</a:t>
             </a:r>
             <a:endParaRPr lang="zh-TW" altLang="en-US" b="1" dirty="0">
               <a:solidFill>
@@ -8171,8 +8189,8 @@
         </p:nvSpPr>
         <p:spPr>
           <a:xfrm>
-            <a:off x="457200" y="1325449"/>
-            <a:ext cx="8352928" cy="3615719"/>
+            <a:off x="333872" y="1277969"/>
+            <a:ext cx="8352928" cy="3879223"/>
           </a:xfrm>
           <a:ln>
             <a:solidFill>
@@ -8195,12 +8213,12 @@
               <a:buChar char="u"/>
             </a:pPr>
             <a:r>
-              <a:rPr lang="en-US" sz="1800" dirty="0">
-                <a:solidFill>
-                  <a:schemeClr val="tx1"/>
-                </a:solidFill>
-              </a:rPr>
-              <a:t>We import torch, torchvision, and transforms class in the torchvision package.</a:t>
+              <a:rPr lang="en-US" sz="1800" b="1" dirty="0">
+                <a:solidFill>
+                  <a:schemeClr val="tx1"/>
+                </a:solidFill>
+              </a:rPr>
+              <a:t>Summary</a:t>
             </a:r>
           </a:p>
           <a:p>
@@ -8218,7 +8236,39 @@
                   <a:schemeClr val="tx1"/>
                 </a:solidFill>
               </a:rPr>
-              <a:t>&gt; import torch</a:t>
+              <a:t>We discuss how to work with dataset and </a:t>
+            </a:r>
+            <a:r>
+              <a:rPr lang="en-US" sz="1800" dirty="0" err="1">
+                <a:solidFill>
+                  <a:schemeClr val="tx1"/>
+                </a:solidFill>
+              </a:rPr>
+              <a:t>dataloader</a:t>
+            </a:r>
+            <a:r>
+              <a:rPr lang="en-US" sz="1800" dirty="0">
+                <a:solidFill>
+                  <a:schemeClr val="tx1"/>
+                </a:solidFill>
+              </a:rPr>
+              <a:t> of </a:t>
+            </a:r>
+            <a:r>
+              <a:rPr lang="en-US" sz="1800" dirty="0" err="1">
+                <a:solidFill>
+                  <a:schemeClr val="tx1"/>
+                </a:solidFill>
+              </a:rPr>
+              <a:t>PyTorch</a:t>
+            </a:r>
+            <a:r>
+              <a:rPr lang="en-US" sz="1800" dirty="0">
+                <a:solidFill>
+                  <a:schemeClr val="tx1"/>
+                </a:solidFill>
+              </a:rPr>
+              <a:t> classes.</a:t>
             </a:r>
           </a:p>
           <a:p>
@@ -8236,7 +8286,7 @@
                   <a:schemeClr val="tx1"/>
                 </a:solidFill>
               </a:rPr>
-              <a:t>&gt; import torchvision</a:t>
+              <a:t>The goal is to get familiar with these classes.</a:t>
             </a:r>
           </a:p>
           <a:p>
@@ -8254,23 +8304,79 @@
                   <a:schemeClr val="tx1"/>
                 </a:solidFill>
               </a:rPr>
-              <a:t>&gt; import </a:t>
-            </a:r>
-            <a:r>
-              <a:rPr lang="en-US" sz="1800" dirty="0" err="1">
-                <a:solidFill>
-                  <a:schemeClr val="tx1"/>
-                </a:solidFill>
-              </a:rPr>
-              <a:t>torchvision.transforms</a:t>
-            </a:r>
-            <a:r>
-              <a:rPr lang="en-US" sz="1800" dirty="0">
-                <a:solidFill>
-                  <a:schemeClr val="tx1"/>
-                </a:solidFill>
-              </a:rPr>
-              <a:t> as transforms</a:t>
+              <a:t>From the high level perspective, we still in the Preparation of data.</a:t>
+            </a:r>
+          </a:p>
+          <a:p>
+            <a:pPr marL="342900" indent="-342900" algn="l">
+              <a:buClr>
+                <a:srgbClr val="0070C0"/>
+              </a:buClr>
+              <a:buSzPct val="80000"/>
+              <a:buFont typeface="+mj-lt"/>
+              <a:buAutoNum type="arabicPeriod"/>
+            </a:pPr>
+            <a:r>
+              <a:rPr lang="en-US" sz="1800" dirty="0">
+                <a:solidFill>
+                  <a:schemeClr val="tx1"/>
+                </a:solidFill>
+              </a:rPr>
+              <a:t>Prepare the Data</a:t>
+            </a:r>
+          </a:p>
+          <a:p>
+            <a:pPr marL="342900" indent="-342900" algn="l">
+              <a:buClr>
+                <a:srgbClr val="0070C0"/>
+              </a:buClr>
+              <a:buSzPct val="80000"/>
+              <a:buFont typeface="+mj-lt"/>
+              <a:buAutoNum type="arabicPeriod"/>
+            </a:pPr>
+            <a:r>
+              <a:rPr lang="en-US" sz="1800" dirty="0">
+                <a:solidFill>
+                  <a:schemeClr val="tx1"/>
+                </a:solidFill>
+              </a:rPr>
+              <a:t>Build the Model</a:t>
+            </a:r>
+          </a:p>
+          <a:p>
+            <a:pPr marL="342900" indent="-342900" algn="l">
+              <a:buClr>
+                <a:srgbClr val="0070C0"/>
+              </a:buClr>
+              <a:buSzPct val="80000"/>
+              <a:buFont typeface="+mj-lt"/>
+              <a:buAutoNum type="arabicPeriod"/>
+            </a:pPr>
+            <a:r>
+              <a:rPr lang="en-US" sz="1800" dirty="0">
+                <a:solidFill>
+                  <a:schemeClr val="tx1"/>
+                </a:solidFill>
+              </a:rPr>
+              <a:t>Train the Model</a:t>
+            </a:r>
+          </a:p>
+          <a:p>
+            <a:pPr marL="342900" indent="-342900" algn="l">
+              <a:buClr>
+                <a:srgbClr val="0070C0"/>
+              </a:buClr>
+              <a:buSzPct val="80000"/>
+              <a:buFont typeface="+mj-lt"/>
+              <a:buAutoNum type="arabicPeriod"/>
+            </a:pPr>
+            <a:r>
+              <a:rPr lang="en-US" sz="1800" dirty="0">
+                <a:solidFill>
+                  <a:schemeClr val="tx1"/>
+                </a:solidFill>
+              </a:rPr>
+              <a:t>Analyze the Model result</a:t>
             </a:r>
           </a:p>
           <a:p>
@@ -8283,28 +8389,12 @@
               <a:buChar char="u"/>
             </a:pPr>
             <a:r>
-              <a:rPr lang="en-US" sz="1800" dirty="0">
-                <a:solidFill>
-                  <a:schemeClr val="tx1"/>
-                </a:solidFill>
-              </a:rPr>
-              <a:t>&gt; train_set = </a:t>
-            </a:r>
-            <a:r>
-              <a:rPr lang="en-US" sz="1800" dirty="0" err="1">
-                <a:solidFill>
-                  <a:schemeClr val="tx1"/>
-                </a:solidFill>
-              </a:rPr>
-              <a:t>torchvision.datasets.FashionMNIST</a:t>
-            </a:r>
-            <a:r>
-              <a:rPr lang="en-US" sz="1800" dirty="0">
-                <a:solidFill>
-                  <a:schemeClr val="tx1"/>
-                </a:solidFill>
-              </a:rPr>
-              <a:t> (</a:t>
+              <a:rPr lang="en-US" sz="1800" b="1" dirty="0">
+                <a:solidFill>
+                  <a:schemeClr val="tx1"/>
+                </a:solidFill>
+              </a:rPr>
+              <a:t>We will work on Dataset and Data loader objects that we created.</a:t>
             </a:r>
           </a:p>
           <a:p>
@@ -8322,7 +8412,7 @@
                   <a:schemeClr val="tx1"/>
                 </a:solidFill>
               </a:rPr>
-              <a:t>&gt; 	</a:t>
+              <a:t>Remember, we have two </a:t>
             </a:r>
             <a:r>
               <a:rPr lang="en-US" sz="1800" dirty="0" err="1">
@@ -8330,15 +8420,15 @@
                   <a:schemeClr val="tx1"/>
                 </a:solidFill>
               </a:rPr>
-              <a:t>roo</a:t>
-            </a:r>
-            <a:r>
-              <a:rPr lang="en-US" sz="1800" dirty="0">
-                <a:solidFill>
-                  <a:schemeClr val="tx1"/>
-                </a:solidFill>
-              </a:rPr>
-              <a:t>=‘./data/</a:t>
+              <a:t>PyTorch</a:t>
+            </a:r>
+            <a:r>
+              <a:rPr lang="en-US" sz="1800" dirty="0">
+                <a:solidFill>
+                  <a:schemeClr val="tx1"/>
+                </a:solidFill>
+              </a:rPr>
+              <a:t> Objects, a Dataset and a </a:t>
             </a:r>
             <a:r>
               <a:rPr lang="en-US" sz="1800" dirty="0" err="1">
@@ -8346,15 +8436,15 @@
                   <a:schemeClr val="tx1"/>
                 </a:solidFill>
               </a:rPr>
-              <a:t>FashionMNIST</a:t>
-            </a:r>
-            <a:r>
-              <a:rPr lang="en-US" sz="1800" dirty="0">
-                <a:solidFill>
-                  <a:schemeClr val="tx1"/>
-                </a:solidFill>
-              </a:rPr>
-              <a:t>’,</a:t>
+              <a:t>Dataloader</a:t>
+            </a:r>
+            <a:r>
+              <a:rPr lang="en-US" sz="1800" dirty="0">
+                <a:solidFill>
+                  <a:schemeClr val="tx1"/>
+                </a:solidFill>
+              </a:rPr>
+              <a:t>.</a:t>
             </a:r>
           </a:p>
           <a:p>
@@ -8372,8 +8462,61 @@
                   <a:schemeClr val="tx1"/>
                 </a:solidFill>
               </a:rPr>
-              <a:t>&gt;	train=True,</a:t>
-            </a:r>
+              <a:t>We called the dataset variable </a:t>
+            </a:r>
+            <a:r>
+              <a:rPr lang="en-US" sz="1800" dirty="0" err="1">
+                <a:solidFill>
+                  <a:schemeClr val="tx1"/>
+                </a:solidFill>
+              </a:rPr>
+              <a:t>train_set</a:t>
+            </a:r>
+            <a:r>
+              <a:rPr lang="en-US" sz="1800" dirty="0">
+                <a:solidFill>
+                  <a:schemeClr val="tx1"/>
+                </a:solidFill>
+              </a:rPr>
+              <a:t> and we called the </a:t>
+            </a:r>
+            <a:r>
+              <a:rPr lang="en-US" sz="1800" dirty="0" err="1">
+                <a:solidFill>
+                  <a:schemeClr val="tx1"/>
+                </a:solidFill>
+              </a:rPr>
+              <a:t>dataloader</a:t>
+            </a:r>
+            <a:r>
+              <a:rPr lang="en-US" sz="1800" dirty="0">
+                <a:solidFill>
+                  <a:schemeClr val="tx1"/>
+                </a:solidFill>
+              </a:rPr>
+              <a:t> variable </a:t>
+            </a:r>
+            <a:r>
+              <a:rPr lang="en-US" sz="1800" dirty="0" err="1">
+                <a:solidFill>
+                  <a:schemeClr val="tx1"/>
+                </a:solidFill>
+              </a:rPr>
+              <a:t>train_loader</a:t>
+            </a:r>
+            <a:r>
+              <a:rPr lang="en-US" sz="1800" dirty="0">
+                <a:solidFill>
+                  <a:schemeClr val="tx1"/>
+                </a:solidFill>
+              </a:rPr>
+              <a:t>.</a:t>
+            </a:r>
+            <a:endParaRPr lang="en-US" sz="1800" b="1" dirty="0">
+              <a:solidFill>
+                <a:schemeClr val="tx1"/>
+              </a:solidFill>
+            </a:endParaRPr>
           </a:p>
           <a:p>
             <a:pPr marL="342900" indent="-342900" algn="l">
@@ -8384,132 +8527,11 @@
               <a:buFont typeface="Wingdings" pitchFamily="2" charset="2"/>
               <a:buChar char="u"/>
             </a:pPr>
-            <a:r>
-              <a:rPr lang="en-US" sz="1800" dirty="0">
-                <a:solidFill>
-                  <a:schemeClr val="tx1"/>
-                </a:solidFill>
-              </a:rPr>
-              <a:t>&gt;	download=True,</a:t>
-            </a:r>
-          </a:p>
-          <a:p>
-            <a:pPr marL="342900" indent="-342900" algn="l">
-              <a:buClr>
-                <a:srgbClr val="0070C0"/>
-              </a:buClr>
-              <a:buSzPct val="80000"/>
-              <a:buFont typeface="Wingdings" pitchFamily="2" charset="2"/>
-              <a:buChar char="u"/>
-            </a:pPr>
-            <a:r>
-              <a:rPr lang="en-US" sz="1800" dirty="0">
-                <a:solidFill>
-                  <a:schemeClr val="tx1"/>
-                </a:solidFill>
-              </a:rPr>
-              <a:t>&gt;	transform=</a:t>
-            </a:r>
-            <a:r>
-              <a:rPr lang="en-US" sz="1800" dirty="0" err="1">
-                <a:solidFill>
-                  <a:schemeClr val="tx1"/>
-                </a:solidFill>
-              </a:rPr>
-              <a:t>transforms.compose</a:t>
-            </a:r>
-            <a:r>
-              <a:rPr lang="en-US" sz="1800" dirty="0">
-                <a:solidFill>
-                  <a:schemeClr val="tx1"/>
-                </a:solidFill>
-              </a:rPr>
-              <a:t> ([</a:t>
-            </a:r>
-            <a:r>
-              <a:rPr lang="en-US" sz="1800" dirty="0" err="1">
-                <a:solidFill>
-                  <a:schemeClr val="tx1"/>
-                </a:solidFill>
-              </a:rPr>
-              <a:t>transofrms.ToTensor</a:t>
-            </a:r>
-            <a:r>
-              <a:rPr lang="en-US" sz="1800" dirty="0">
-                <a:solidFill>
-                  <a:schemeClr val="tx1"/>
-                </a:solidFill>
-              </a:rPr>
-              <a:t>()])</a:t>
-            </a:r>
-          </a:p>
-          <a:p>
-            <a:pPr marL="342900" indent="-342900" algn="l">
-              <a:buClr>
-                <a:srgbClr val="0070C0"/>
-              </a:buClr>
-              <a:buSzPct val="80000"/>
-              <a:buFont typeface="Wingdings" pitchFamily="2" charset="2"/>
-              <a:buChar char="u"/>
-            </a:pPr>
-            <a:r>
-              <a:rPr lang="en-US" sz="1800" dirty="0">
-                <a:solidFill>
-                  <a:schemeClr val="tx1"/>
-                </a:solidFill>
-              </a:rPr>
-              <a:t>&gt; )</a:t>
-            </a:r>
-          </a:p>
-          <a:p>
-            <a:pPr marL="342900" indent="-342900" algn="l">
-              <a:buClr>
-                <a:srgbClr val="0070C0"/>
-              </a:buClr>
-              <a:buSzPct val="80000"/>
-              <a:buFont typeface="Wingdings" pitchFamily="2" charset="2"/>
-              <a:buChar char="u"/>
-            </a:pPr>
-            <a:r>
-              <a:rPr lang="en-US" sz="1800" dirty="0">
-                <a:solidFill>
-                  <a:schemeClr val="tx1"/>
-                </a:solidFill>
-              </a:rPr>
-              <a:t>&gt; train_loader = </a:t>
-            </a:r>
-            <a:r>
-              <a:rPr lang="en-US" sz="1800" dirty="0" err="1">
-                <a:solidFill>
-                  <a:schemeClr val="tx1"/>
-                </a:solidFill>
-              </a:rPr>
-              <a:t>torch.utils.data.DataLoader</a:t>
-            </a:r>
-            <a:r>
-              <a:rPr lang="en-US" sz="1800" dirty="0">
-                <a:solidFill>
-                  <a:schemeClr val="tx1"/>
-                </a:solidFill>
-              </a:rPr>
-              <a:t>(train_set, </a:t>
-            </a:r>
-            <a:r>
-              <a:rPr lang="en-US" sz="1800" dirty="0" err="1">
-                <a:solidFill>
-                  <a:schemeClr val="tx1"/>
-                </a:solidFill>
-              </a:rPr>
-              <a:t>batch_size</a:t>
-            </a:r>
-            <a:r>
-              <a:rPr lang="en-US" sz="1800" dirty="0">
-                <a:solidFill>
-                  <a:schemeClr val="tx1"/>
-                </a:solidFill>
-              </a:rPr>
-              <a:t>=10)</a:t>
-            </a:r>
+            <a:endParaRPr lang="en-US" sz="1800" dirty="0">
+              <a:solidFill>
+                <a:schemeClr val="tx1"/>
+              </a:solidFill>
+            </a:endParaRPr>
           </a:p>
         </p:txBody>
       </p:sp>
@@ -8608,7 +8630,7 @@
             <a:fld id="{A4F910E6-8D00-4BAF-8C48-9688E0B449D3}" type="datetime1">
               <a:rPr lang="zh-TW" altLang="en-US" smtClean="0"/>
               <a:pPr/>
-              <a:t>2020/5/28</a:t>
+              <a:t>2020/5/30</a:t>
             </a:fld>
             <a:endParaRPr lang="zh-TW" altLang="en-US"/>
           </a:p>
@@ -8632,7 +8654,7 @@
             <a:fld id="{E4D7E63D-91F2-4366-A2C4-1B00C9E2590E}" type="slidenum">
               <a:rPr lang="zh-TW" altLang="en-US" smtClean="0"/>
               <a:pPr/>
-              <a:t>3</a:t>
+              <a:t>21</a:t>
             </a:fld>
             <a:endParaRPr lang="zh-TW" altLang="en-US"/>
           </a:p>
@@ -8641,7 +8663,7 @@
     </p:spTree>
     <p:extLst>
       <p:ext uri="{BB962C8B-B14F-4D97-AF65-F5344CB8AC3E}">
-        <p14:creationId xmlns:p14="http://schemas.microsoft.com/office/powerpoint/2010/main" val="3399246204"/>
+        <p14:creationId xmlns:p14="http://schemas.microsoft.com/office/powerpoint/2010/main" val="3722302725"/>
       </p:ext>
     </p:extLst>
   </p:cSld>
@@ -8651,7 +8673,156 @@
 </p:sld>
 </file>
 
-<file path=ppt/slides/slide4.xml><?xml version="1.0" encoding="utf-8"?>
+<file path=ppt/slides/slide22.xml><?xml version="1.0" encoding="utf-8"?>
+<p:sld xmlns:a="http://schemas.openxmlformats.org/drawingml/2006/main" xmlns:r="http://schemas.openxmlformats.org/officeDocument/2006/relationships" xmlns:p="http://schemas.openxmlformats.org/presentationml/2006/main">
+  <p:cSld>
+    <p:spTree>
+      <p:nvGrpSpPr>
+        <p:cNvPr id="1" name=""/>
+        <p:cNvGrpSpPr/>
+        <p:nvPr/>
+      </p:nvGrpSpPr>
+      <p:grpSpPr>
+        <a:xfrm>
+          <a:off x="0" y="0"/>
+          <a:ext cx="0" cy="0"/>
+          <a:chOff x="0" y="0"/>
+          <a:chExt cx="0" cy="0"/>
+        </a:xfrm>
+      </p:grpSpPr>
+      <p:sp>
+        <p:nvSpPr>
+          <p:cNvPr id="2" name="標題 1"/>
+          <p:cNvSpPr>
+            <a:spLocks noGrp="1"/>
+          </p:cNvSpPr>
+          <p:nvPr>
+            <p:ph type="ctrTitle"/>
+          </p:nvPr>
+        </p:nvSpPr>
+        <p:spPr>
+          <a:xfrm>
+            <a:off x="0" y="2130425"/>
+            <a:ext cx="9144000" cy="1470025"/>
+          </a:xfrm>
+          <a:solidFill>
+            <a:srgbClr val="00B0F0"/>
+          </a:solidFill>
+        </p:spPr>
+        <p:txBody>
+          <a:bodyPr>
+            <a:normAutofit/>
+          </a:bodyPr>
+          <a:lstStyle/>
+          <a:p>
+            <a:r>
+              <a:rPr lang="en-US" altLang="zh-TW" sz="4800" b="1" dirty="0">
+                <a:solidFill>
+                  <a:srgbClr val="FFFF00"/>
+                </a:solidFill>
+              </a:rPr>
+              <a:t>16.5 Quiz</a:t>
+            </a:r>
+            <a:endParaRPr lang="zh-TW" altLang="en-US" sz="4800" b="1" dirty="0">
+              <a:solidFill>
+                <a:srgbClr val="FFFF00"/>
+              </a:solidFill>
+            </a:endParaRPr>
+          </a:p>
+        </p:txBody>
+      </p:sp>
+      <p:sp>
+        <p:nvSpPr>
+          <p:cNvPr id="5" name="日期版面配置區 4"/>
+          <p:cNvSpPr>
+            <a:spLocks noGrp="1"/>
+          </p:cNvSpPr>
+          <p:nvPr>
+            <p:ph type="dt" sz="half" idx="10"/>
+          </p:nvPr>
+        </p:nvSpPr>
+        <p:spPr/>
+        <p:txBody>
+          <a:bodyPr/>
+          <a:lstStyle/>
+          <a:p>
+            <a:fld id="{C389EDC9-19E3-47AC-9C57-C6A24DEA81AD}" type="datetime1">
+              <a:rPr lang="zh-TW" altLang="en-US" smtClean="0"/>
+              <a:pPr/>
+              <a:t>2020/5/30</a:t>
+            </a:fld>
+            <a:endParaRPr lang="zh-TW" altLang="en-US"/>
+          </a:p>
+        </p:txBody>
+      </p:sp>
+      <p:sp>
+        <p:nvSpPr>
+          <p:cNvPr id="6" name="投影片編號版面配置區 5"/>
+          <p:cNvSpPr>
+            <a:spLocks noGrp="1"/>
+          </p:cNvSpPr>
+          <p:nvPr>
+            <p:ph type="sldNum" sz="quarter" idx="12"/>
+          </p:nvPr>
+        </p:nvSpPr>
+        <p:spPr/>
+        <p:txBody>
+          <a:bodyPr/>
+          <a:lstStyle/>
+          <a:p>
+            <a:fld id="{E4D7E63D-91F2-4366-A2C4-1B00C9E2590E}" type="slidenum">
+              <a:rPr lang="zh-TW" altLang="en-US" smtClean="0"/>
+              <a:pPr/>
+              <a:t>22</a:t>
+            </a:fld>
+            <a:endParaRPr lang="zh-TW" altLang="en-US"/>
+          </a:p>
+        </p:txBody>
+      </p:sp>
+      <p:pic>
+        <p:nvPicPr>
+          <p:cNvPr id="7" name="Picture 6">
+            <a:extLst>
+              <a:ext uri="{FF2B5EF4-FFF2-40B4-BE49-F238E27FC236}">
+                <a16:creationId xmlns:a16="http://schemas.microsoft.com/office/drawing/2014/main" id="{6036082F-9FF3-4FD3-AAB6-79929EA80D69}"/>
+              </a:ext>
+            </a:extLst>
+          </p:cNvPr>
+          <p:cNvPicPr>
+            <a:picLocks noChangeAspect="1"/>
+          </p:cNvPicPr>
+          <p:nvPr/>
+        </p:nvPicPr>
+        <p:blipFill>
+          <a:blip r:embed="rId2"/>
+          <a:stretch>
+            <a:fillRect/>
+          </a:stretch>
+        </p:blipFill>
+        <p:spPr>
+          <a:xfrm>
+            <a:off x="3995936" y="3646102"/>
+            <a:ext cx="833859" cy="989784"/>
+          </a:xfrm>
+          <a:prstGeom prst="rect">
+            <a:avLst/>
+          </a:prstGeom>
+        </p:spPr>
+      </p:pic>
+    </p:spTree>
+    <p:extLst>
+      <p:ext uri="{BB962C8B-B14F-4D97-AF65-F5344CB8AC3E}">
+        <p14:creationId xmlns:p14="http://schemas.microsoft.com/office/powerpoint/2010/main" val="263217660"/>
+      </p:ext>
+    </p:extLst>
+  </p:cSld>
+  <p:clrMapOvr>
+    <a:masterClrMapping/>
+  </p:clrMapOvr>
+</p:sld>
+</file>
+
+<file path=ppt/slides/slide23.xml><?xml version="1.0" encoding="utf-8"?>
 <p:sld xmlns:a="http://schemas.openxmlformats.org/drawingml/2006/main" xmlns:r="http://schemas.openxmlformats.org/officeDocument/2006/relationships" xmlns:p="http://schemas.openxmlformats.org/presentationml/2006/main">
   <p:cSld>
     <p:spTree>
@@ -8723,7 +8894,7 @@
                   <a:srgbClr val="FFFF00"/>
                 </a:solidFill>
               </a:rPr>
-              <a:t>16 Training Set (Part 2)</a:t>
+              <a:t>16.5 Quiz</a:t>
             </a:r>
             <a:endParaRPr lang="zh-TW" altLang="en-US" b="1" dirty="0">
               <a:solidFill>
@@ -8745,8 +8916,8 @@
         </p:nvSpPr>
         <p:spPr>
           <a:xfrm>
-            <a:off x="457200" y="1325449"/>
-            <a:ext cx="8352928" cy="5030901"/>
+            <a:off x="333872" y="1277969"/>
+            <a:ext cx="1141784" cy="360041"/>
           </a:xfrm>
           <a:ln>
             <a:solidFill>
@@ -8774,237 +8945,7 @@
                   <a:schemeClr val="tx1"/>
                 </a:solidFill>
               </a:rPr>
-              <a:t>Train_set:</a:t>
-            </a:r>
-          </a:p>
-          <a:p>
-            <a:pPr marL="800100" lvl="1" indent="-342900" algn="l">
-              <a:buClr>
-                <a:srgbClr val="0070C0"/>
-              </a:buClr>
-              <a:buSzPct val="80000"/>
-              <a:buFont typeface="Wingdings" pitchFamily="2" charset="2"/>
-              <a:buChar char="u"/>
-            </a:pPr>
-            <a:r>
-              <a:rPr lang="en-US" sz="1800" dirty="0">
-                <a:solidFill>
-                  <a:schemeClr val="tx1"/>
-                </a:solidFill>
-              </a:rPr>
-              <a:t>The train_set is an instance of the Fashion in this class that also live inside the torchvision package.</a:t>
-            </a:r>
-          </a:p>
-          <a:p>
-            <a:pPr marL="800100" lvl="1" indent="-342900" algn="l">
-              <a:buClr>
-                <a:srgbClr val="0070C0"/>
-              </a:buClr>
-              <a:buSzPct val="80000"/>
-              <a:buFont typeface="Wingdings" pitchFamily="2" charset="2"/>
-              <a:buChar char="u"/>
-            </a:pPr>
-            <a:r>
-              <a:rPr lang="en-US" sz="1800" dirty="0">
-                <a:solidFill>
-                  <a:schemeClr val="tx1"/>
-                </a:solidFill>
-              </a:rPr>
-              <a:t>In the constructor, we specify the directory where the data is located on disk.</a:t>
-            </a:r>
-          </a:p>
-          <a:p>
-            <a:pPr marL="800100" lvl="1" indent="-342900" algn="l">
-              <a:buClr>
-                <a:srgbClr val="0070C0"/>
-              </a:buClr>
-              <a:buSzPct val="80000"/>
-              <a:buFont typeface="Wingdings" pitchFamily="2" charset="2"/>
-              <a:buChar char="u"/>
-            </a:pPr>
-            <a:r>
-              <a:rPr lang="en-US" sz="1800" dirty="0">
-                <a:solidFill>
-                  <a:schemeClr val="tx1"/>
-                </a:solidFill>
-              </a:rPr>
-              <a:t>We want the data to be the train data.</a:t>
-            </a:r>
-          </a:p>
-          <a:p>
-            <a:pPr marL="800100" lvl="1" indent="-342900" algn="l">
-              <a:buClr>
-                <a:srgbClr val="0070C0"/>
-              </a:buClr>
-              <a:buSzPct val="80000"/>
-              <a:buFont typeface="Wingdings" pitchFamily="2" charset="2"/>
-              <a:buChar char="u"/>
-            </a:pPr>
-            <a:r>
-              <a:rPr lang="en-US" sz="1800" dirty="0">
-                <a:solidFill>
-                  <a:schemeClr val="tx1"/>
-                </a:solidFill>
-              </a:rPr>
-              <a:t>The data should be downloaded if it does not existed on disk.</a:t>
-            </a:r>
-          </a:p>
-          <a:p>
-            <a:pPr marL="800100" lvl="1" indent="-342900" algn="l">
-              <a:buClr>
-                <a:srgbClr val="0070C0"/>
-              </a:buClr>
-              <a:buSzPct val="80000"/>
-              <a:buFont typeface="Wingdings" pitchFamily="2" charset="2"/>
-              <a:buChar char="u"/>
-            </a:pPr>
-            <a:r>
-              <a:rPr lang="en-US" sz="1800" dirty="0">
-                <a:solidFill>
-                  <a:schemeClr val="tx1"/>
-                </a:solidFill>
-              </a:rPr>
-              <a:t>And finally, we define a transform should be performed on our data element.</a:t>
-            </a:r>
-          </a:p>
-          <a:p>
-            <a:pPr marL="800100" lvl="1" indent="-342900" algn="l">
-              <a:buClr>
-                <a:srgbClr val="0070C0"/>
-              </a:buClr>
-              <a:buSzPct val="80000"/>
-              <a:buFont typeface="Wingdings" pitchFamily="2" charset="2"/>
-              <a:buChar char="u"/>
-            </a:pPr>
-            <a:r>
-              <a:rPr lang="en-US" sz="1800" dirty="0">
-                <a:solidFill>
-                  <a:schemeClr val="tx1"/>
-                </a:solidFill>
-              </a:rPr>
-              <a:t>The composed class allows us to create a composition of transformation. </a:t>
-            </a:r>
-          </a:p>
-          <a:p>
-            <a:pPr marL="800100" lvl="1" indent="-342900" algn="l">
-              <a:buClr>
-                <a:srgbClr val="0070C0"/>
-              </a:buClr>
-              <a:buSzPct val="80000"/>
-              <a:buFont typeface="Wingdings" pitchFamily="2" charset="2"/>
-              <a:buChar char="u"/>
-            </a:pPr>
-            <a:r>
-              <a:rPr lang="en-US" sz="1800" dirty="0">
-                <a:solidFill>
-                  <a:schemeClr val="tx1"/>
-                </a:solidFill>
-              </a:rPr>
-              <a:t>In this case, we turn our data into a tensor which is a single transformation.</a:t>
-            </a:r>
-          </a:p>
-          <a:p>
-            <a:pPr marL="342900" indent="-342900" algn="l">
-              <a:buClr>
-                <a:srgbClr val="0070C0"/>
-              </a:buClr>
-              <a:buSzPct val="80000"/>
-              <a:buFont typeface="Wingdings" pitchFamily="2" charset="2"/>
-              <a:buChar char="u"/>
-            </a:pPr>
-            <a:r>
-              <a:rPr lang="en-US" sz="1800" b="1" dirty="0">
-                <a:solidFill>
-                  <a:schemeClr val="tx1"/>
-                </a:solidFill>
-              </a:rPr>
-              <a:t>Train_loader:</a:t>
-            </a:r>
-          </a:p>
-          <a:p>
-            <a:pPr marL="800100" lvl="1" indent="-342900" algn="l">
-              <a:buClr>
-                <a:srgbClr val="0070C0"/>
-              </a:buClr>
-              <a:buSzPct val="80000"/>
-              <a:buFont typeface="Wingdings" pitchFamily="2" charset="2"/>
-              <a:buChar char="u"/>
-            </a:pPr>
-            <a:r>
-              <a:rPr lang="en-US" sz="1800" dirty="0">
-                <a:solidFill>
-                  <a:schemeClr val="tx1"/>
-                </a:solidFill>
-              </a:rPr>
-              <a:t>For the train_loader, we are using the </a:t>
-            </a:r>
-            <a:r>
-              <a:rPr lang="en-US" sz="1800" dirty="0" err="1">
-                <a:solidFill>
-                  <a:schemeClr val="tx1"/>
-                </a:solidFill>
-              </a:rPr>
-              <a:t>DataLoader</a:t>
-            </a:r>
-            <a:r>
-              <a:rPr lang="en-US" sz="1800" dirty="0">
-                <a:solidFill>
-                  <a:schemeClr val="tx1"/>
-                </a:solidFill>
-              </a:rPr>
-              <a:t> constructor and passing the train_set and </a:t>
-            </a:r>
-            <a:r>
-              <a:rPr lang="en-US" sz="1800" dirty="0" err="1">
-                <a:solidFill>
-                  <a:schemeClr val="tx1"/>
-                </a:solidFill>
-              </a:rPr>
-              <a:t>batch_size</a:t>
-            </a:r>
-            <a:r>
-              <a:rPr lang="en-US" sz="1800" dirty="0">
-                <a:solidFill>
-                  <a:schemeClr val="tx1"/>
-                </a:solidFill>
-              </a:rPr>
-              <a:t> of 10.</a:t>
-            </a:r>
-          </a:p>
-          <a:p>
-            <a:pPr marL="800100" lvl="1" indent="-342900" algn="l">
-              <a:buClr>
-                <a:srgbClr val="0070C0"/>
-              </a:buClr>
-              <a:buSzPct val="80000"/>
-              <a:buFont typeface="Wingdings" pitchFamily="2" charset="2"/>
-              <a:buChar char="u"/>
-            </a:pPr>
-            <a:r>
-              <a:rPr lang="en-US" sz="1800" dirty="0">
-                <a:solidFill>
-                  <a:schemeClr val="tx1"/>
-                </a:solidFill>
-              </a:rPr>
-              <a:t>Note, we did not specify the batch_size in the last discussion.</a:t>
-            </a:r>
-          </a:p>
-          <a:p>
-            <a:pPr marL="800100" lvl="1" indent="-342900" algn="l">
-              <a:buClr>
-                <a:srgbClr val="0070C0"/>
-              </a:buClr>
-              <a:buSzPct val="80000"/>
-              <a:buFont typeface="Wingdings" pitchFamily="2" charset="2"/>
-              <a:buChar char="u"/>
-            </a:pPr>
-            <a:r>
-              <a:rPr lang="en-US" sz="1800" dirty="0">
-                <a:solidFill>
-                  <a:schemeClr val="tx1"/>
-                </a:solidFill>
-              </a:rPr>
-              <a:t>The default batch_size = 1 if we do not specify an alternative here. We can see more images in this discussion.</a:t>
+              <a:t>Quiz</a:t>
             </a:r>
           </a:p>
         </p:txBody>
@@ -9104,7 +9045,7 @@
             <a:fld id="{A4F910E6-8D00-4BAF-8C48-9688E0B449D3}" type="datetime1">
               <a:rPr lang="zh-TW" altLang="en-US" smtClean="0"/>
               <a:pPr/>
-              <a:t>2020/5/28</a:t>
+              <a:t>2020/5/30</a:t>
             </a:fld>
             <a:endParaRPr lang="zh-TW" altLang="en-US"/>
           </a:p>
@@ -9128,16 +9069,51 @@
             <a:fld id="{E4D7E63D-91F2-4366-A2C4-1B00C9E2590E}" type="slidenum">
               <a:rPr lang="zh-TW" altLang="en-US" smtClean="0"/>
               <a:pPr/>
-              <a:t>4</a:t>
+              <a:t>23</a:t>
             </a:fld>
             <a:endParaRPr lang="zh-TW" altLang="en-US"/>
           </a:p>
         </p:txBody>
       </p:sp>
+      <p:pic>
+        <p:nvPicPr>
+          <p:cNvPr id="7" name="Picture 6">
+            <a:extLst>
+              <a:ext uri="{FF2B5EF4-FFF2-40B4-BE49-F238E27FC236}">
+                <a16:creationId xmlns:a16="http://schemas.microsoft.com/office/drawing/2014/main" id="{F8059653-CA84-4EFD-B6AE-EAEFA90D9BE8}"/>
+              </a:ext>
+            </a:extLst>
+          </p:cNvPr>
+          <p:cNvPicPr>
+            <a:picLocks noChangeAspect="1"/>
+          </p:cNvPicPr>
+          <p:nvPr/>
+        </p:nvPicPr>
+        <p:blipFill>
+          <a:blip r:embed="rId3"/>
+          <a:stretch>
+            <a:fillRect/>
+          </a:stretch>
+        </p:blipFill>
+        <p:spPr>
+          <a:xfrm>
+            <a:off x="1894884" y="1308235"/>
+            <a:ext cx="6762750" cy="4352925"/>
+          </a:xfrm>
+          <a:prstGeom prst="rect">
+            <a:avLst/>
+          </a:prstGeom>
+          <a:ln>
+            <a:solidFill>
+              <a:srgbClr val="C00000"/>
+            </a:solidFill>
+          </a:ln>
+        </p:spPr>
+      </p:pic>
     </p:spTree>
     <p:extLst>
       <p:ext uri="{BB962C8B-B14F-4D97-AF65-F5344CB8AC3E}">
-        <p14:creationId xmlns:p14="http://schemas.microsoft.com/office/powerpoint/2010/main" val="555178639"/>
+        <p14:creationId xmlns:p14="http://schemas.microsoft.com/office/powerpoint/2010/main" val="3159161304"/>
       </p:ext>
     </p:extLst>
   </p:cSld>
@@ -9147,7 +9123,7 @@
 </p:sld>
 </file>
 
-<file path=ppt/slides/slide5.xml><?xml version="1.0" encoding="utf-8"?>
+<file path=ppt/slides/slide24.xml><?xml version="1.0" encoding="utf-8"?>
 <p:sld xmlns:a="http://schemas.openxmlformats.org/drawingml/2006/main" xmlns:r="http://schemas.openxmlformats.org/officeDocument/2006/relationships" xmlns:p="http://schemas.openxmlformats.org/presentationml/2006/main">
   <p:cSld>
     <p:spTree>
@@ -9219,7 +9195,7 @@
                   <a:srgbClr val="FFFF00"/>
                 </a:solidFill>
               </a:rPr>
-              <a:t>16 Training Set (Part 2)</a:t>
+              <a:t>16.5 Quiz</a:t>
             </a:r>
             <a:endParaRPr lang="zh-TW" altLang="en-US" b="1" dirty="0">
               <a:solidFill>
@@ -9241,8 +9217,8 @@
         </p:nvSpPr>
         <p:spPr>
           <a:xfrm>
-            <a:off x="457200" y="1325449"/>
-            <a:ext cx="8352928" cy="3327687"/>
+            <a:off x="333872" y="1277969"/>
+            <a:ext cx="1141784" cy="360041"/>
           </a:xfrm>
           <a:ln>
             <a:solidFill>
@@ -9265,331 +9241,12 @@
               <a:buChar char="u"/>
             </a:pPr>
             <a:r>
-              <a:rPr lang="en-US" sz="1800" dirty="0">
-                <a:solidFill>
-                  <a:schemeClr val="tx1"/>
-                </a:solidFill>
-              </a:rPr>
-              <a:t>We do some operations to understand our data.</a:t>
-            </a:r>
-          </a:p>
-          <a:p>
-            <a:pPr marL="342900" indent="-342900" algn="l">
-              <a:buClr>
-                <a:srgbClr val="0070C0"/>
-              </a:buClr>
-              <a:buSzPct val="80000"/>
-              <a:buFont typeface="Wingdings" pitchFamily="2" charset="2"/>
-              <a:buChar char="u"/>
-            </a:pPr>
-            <a:r>
-              <a:rPr lang="en-US" sz="1800" dirty="0">
-                <a:solidFill>
-                  <a:schemeClr val="tx1"/>
-                </a:solidFill>
-              </a:rPr>
-              <a:t>We import </a:t>
-            </a:r>
-            <a:r>
-              <a:rPr lang="en-US" sz="1800" dirty="0" err="1">
-                <a:solidFill>
-                  <a:schemeClr val="tx1"/>
-                </a:solidFill>
-              </a:rPr>
-              <a:t>numpy</a:t>
-            </a:r>
-            <a:r>
-              <a:rPr lang="en-US" sz="1800" dirty="0">
-                <a:solidFill>
-                  <a:schemeClr val="tx1"/>
-                </a:solidFill>
-              </a:rPr>
-              <a:t> and import </a:t>
-            </a:r>
-            <a:r>
-              <a:rPr lang="en-US" sz="1800" dirty="0" err="1">
-                <a:solidFill>
-                  <a:schemeClr val="tx1"/>
-                </a:solidFill>
-              </a:rPr>
-              <a:t>pyplot</a:t>
-            </a:r>
-            <a:r>
-              <a:rPr lang="en-US" sz="1800" dirty="0">
-                <a:solidFill>
-                  <a:schemeClr val="tx1"/>
-                </a:solidFill>
-              </a:rPr>
-              <a:t> class within matplotlib package.</a:t>
-            </a:r>
-          </a:p>
-          <a:p>
-            <a:pPr marL="342900" indent="-342900" algn="l">
-              <a:buClr>
-                <a:srgbClr val="0070C0"/>
-              </a:buClr>
-              <a:buSzPct val="80000"/>
-              <a:buFont typeface="Wingdings" pitchFamily="2" charset="2"/>
-              <a:buChar char="u"/>
-            </a:pPr>
-            <a:r>
-              <a:rPr lang="en-US" sz="1800" dirty="0">
-                <a:solidFill>
-                  <a:schemeClr val="tx1"/>
-                </a:solidFill>
-              </a:rPr>
-              <a:t>&gt; import </a:t>
-            </a:r>
-            <a:r>
-              <a:rPr lang="en-US" sz="1800" dirty="0" err="1">
-                <a:solidFill>
-                  <a:schemeClr val="tx1"/>
-                </a:solidFill>
-              </a:rPr>
-              <a:t>numpy</a:t>
-            </a:r>
-            <a:r>
-              <a:rPr lang="en-US" sz="1800" dirty="0">
-                <a:solidFill>
-                  <a:schemeClr val="tx1"/>
-                </a:solidFill>
-              </a:rPr>
-              <a:t> as np</a:t>
-            </a:r>
-          </a:p>
-          <a:p>
-            <a:pPr marL="342900" indent="-342900" algn="l">
-              <a:buClr>
-                <a:srgbClr val="0070C0"/>
-              </a:buClr>
-              <a:buSzPct val="80000"/>
-              <a:buFont typeface="Wingdings" pitchFamily="2" charset="2"/>
-              <a:buChar char="u"/>
-            </a:pPr>
-            <a:r>
-              <a:rPr lang="en-US" sz="1800" dirty="0">
-                <a:solidFill>
-                  <a:schemeClr val="tx1"/>
-                </a:solidFill>
-              </a:rPr>
-              <a:t>&gt; import </a:t>
-            </a:r>
-            <a:r>
-              <a:rPr lang="en-US" sz="1800" dirty="0" err="1">
-                <a:solidFill>
-                  <a:schemeClr val="tx1"/>
-                </a:solidFill>
-              </a:rPr>
-              <a:t>matplotlib.pyplot</a:t>
-            </a:r>
-            <a:r>
-              <a:rPr lang="en-US" sz="1800" dirty="0">
-                <a:solidFill>
-                  <a:schemeClr val="tx1"/>
-                </a:solidFill>
-              </a:rPr>
-              <a:t> as </a:t>
-            </a:r>
-            <a:r>
-              <a:rPr lang="en-US" sz="1800" dirty="0" err="1">
-                <a:solidFill>
-                  <a:schemeClr val="tx1"/>
-                </a:solidFill>
-              </a:rPr>
-              <a:t>plt</a:t>
-            </a:r>
-            <a:endParaRPr lang="en-US" sz="1800" dirty="0">
-              <a:solidFill>
-                <a:schemeClr val="tx1"/>
-              </a:solidFill>
-            </a:endParaRPr>
-          </a:p>
-          <a:p>
-            <a:pPr marL="342900" indent="-342900" algn="l">
-              <a:buClr>
-                <a:srgbClr val="0070C0"/>
-              </a:buClr>
-              <a:buSzPct val="80000"/>
-              <a:buFont typeface="Wingdings" pitchFamily="2" charset="2"/>
-              <a:buChar char="u"/>
-            </a:pPr>
-            <a:r>
-              <a:rPr lang="en-US" sz="1800" dirty="0">
-                <a:solidFill>
-                  <a:schemeClr val="tx1"/>
-                </a:solidFill>
-              </a:rPr>
-              <a:t># Print line width</a:t>
-            </a:r>
-          </a:p>
-          <a:p>
-            <a:pPr marL="342900" indent="-342900" algn="l">
-              <a:buClr>
-                <a:srgbClr val="0070C0"/>
-              </a:buClr>
-              <a:buSzPct val="80000"/>
-              <a:buFont typeface="Wingdings" pitchFamily="2" charset="2"/>
-              <a:buChar char="u"/>
-            </a:pPr>
-            <a:r>
-              <a:rPr lang="en-US" sz="1800" dirty="0">
-                <a:solidFill>
-                  <a:schemeClr val="tx1"/>
-                </a:solidFill>
-              </a:rPr>
-              <a:t>&gt; </a:t>
-            </a:r>
-            <a:r>
-              <a:rPr lang="en-US" sz="1800" dirty="0" err="1">
-                <a:solidFill>
-                  <a:schemeClr val="tx1"/>
-                </a:solidFill>
-              </a:rPr>
-              <a:t>torch.set_printoptions</a:t>
-            </a:r>
-            <a:r>
-              <a:rPr lang="en-US" sz="1800" dirty="0">
-                <a:solidFill>
-                  <a:schemeClr val="tx1"/>
-                </a:solidFill>
-              </a:rPr>
-              <a:t>(linewidth=120)</a:t>
-            </a:r>
-          </a:p>
-          <a:p>
-            <a:pPr marL="342900" indent="-342900" algn="l">
-              <a:buClr>
-                <a:srgbClr val="0070C0"/>
-              </a:buClr>
-              <a:buSzPct val="80000"/>
-              <a:buFont typeface="Wingdings" pitchFamily="2" charset="2"/>
-              <a:buChar char="u"/>
-            </a:pPr>
-            <a:r>
-              <a:rPr lang="en-US" sz="1800" dirty="0">
-                <a:solidFill>
-                  <a:schemeClr val="tx1"/>
-                </a:solidFill>
-              </a:rPr>
-              <a:t>&gt; print ('\</a:t>
-            </a:r>
-            <a:r>
-              <a:rPr lang="en-US" sz="1800" dirty="0" err="1">
-                <a:solidFill>
-                  <a:schemeClr val="tx1"/>
-                </a:solidFill>
-              </a:rPr>
-              <a:t>nlen</a:t>
-            </a:r>
-            <a:r>
-              <a:rPr lang="en-US" sz="1800" dirty="0">
-                <a:solidFill>
-                  <a:schemeClr val="tx1"/>
-                </a:solidFill>
-              </a:rPr>
-              <a:t>(train_set):', </a:t>
-            </a:r>
-            <a:r>
-              <a:rPr lang="en-US" sz="1800" dirty="0" err="1">
-                <a:solidFill>
-                  <a:schemeClr val="tx1"/>
-                </a:solidFill>
-              </a:rPr>
-              <a:t>len</a:t>
-            </a:r>
-            <a:r>
-              <a:rPr lang="en-US" sz="1800" dirty="0">
-                <a:solidFill>
-                  <a:schemeClr val="tx1"/>
-                </a:solidFill>
-              </a:rPr>
-              <a:t>(train_set))</a:t>
-            </a:r>
-          </a:p>
-          <a:p>
-            <a:pPr marL="342900" indent="-342900" algn="l">
-              <a:buClr>
-                <a:srgbClr val="0070C0"/>
-              </a:buClr>
-              <a:buSzPct val="80000"/>
-              <a:buFont typeface="Wingdings" pitchFamily="2" charset="2"/>
-              <a:buChar char="u"/>
-            </a:pPr>
-            <a:r>
-              <a:rPr lang="en-US" sz="1800" dirty="0">
-                <a:solidFill>
-                  <a:schemeClr val="tx1"/>
-                </a:solidFill>
-              </a:rPr>
-              <a:t># train_set length is 60,000</a:t>
-            </a:r>
-          </a:p>
-          <a:p>
-            <a:pPr marL="342900" indent="-342900" algn="l">
-              <a:buClr>
-                <a:srgbClr val="0070C0"/>
-              </a:buClr>
-              <a:buSzPct val="80000"/>
-              <a:buFont typeface="Wingdings" pitchFamily="2" charset="2"/>
-              <a:buChar char="u"/>
-            </a:pPr>
-            <a:r>
-              <a:rPr lang="en-US" sz="1800" dirty="0">
-                <a:solidFill>
-                  <a:schemeClr val="tx1"/>
-                </a:solidFill>
-              </a:rPr>
-              <a:t>&gt; print ('\</a:t>
-            </a:r>
-            <a:r>
-              <a:rPr lang="en-US" sz="1800" dirty="0" err="1">
-                <a:solidFill>
-                  <a:schemeClr val="tx1"/>
-                </a:solidFill>
-              </a:rPr>
-              <a:t>ntrain_set.train_labels</a:t>
-            </a:r>
-            <a:r>
-              <a:rPr lang="en-US" sz="1800" dirty="0">
-                <a:solidFill>
-                  <a:schemeClr val="tx1"/>
-                </a:solidFill>
-              </a:rPr>
-              <a:t>:', </a:t>
-            </a:r>
-            <a:r>
-              <a:rPr lang="en-US" sz="1800" dirty="0" err="1">
-                <a:solidFill>
-                  <a:schemeClr val="tx1"/>
-                </a:solidFill>
-              </a:rPr>
-              <a:t>train_set.train_labels</a:t>
-            </a:r>
-            <a:r>
-              <a:rPr lang="en-US" sz="1800" dirty="0">
-                <a:solidFill>
-                  <a:schemeClr val="tx1"/>
-                </a:solidFill>
-              </a:rPr>
-              <a:t>)</a:t>
-            </a:r>
-          </a:p>
-          <a:p>
-            <a:pPr marL="342900" indent="-342900" algn="l">
-              <a:buClr>
-                <a:srgbClr val="0070C0"/>
-              </a:buClr>
-              <a:buSzPct val="80000"/>
-              <a:buFont typeface="Wingdings" pitchFamily="2" charset="2"/>
-              <a:buChar char="u"/>
-            </a:pPr>
-            <a:r>
-              <a:rPr lang="en-US" sz="1800" dirty="0">
-                <a:solidFill>
-                  <a:schemeClr val="tx1"/>
-                </a:solidFill>
-              </a:rPr>
-              <a:t># [9, 0, 0, …, 3, 0, 5]: category 9 is Ankle Boot, category 0 is T-shirt </a:t>
+              <a:rPr lang="en-US" sz="1800" b="1" dirty="0">
+                <a:solidFill>
+                  <a:schemeClr val="tx1"/>
+                </a:solidFill>
+              </a:rPr>
+              <a:t>Quiz</a:t>
             </a:r>
           </a:p>
         </p:txBody>
@@ -9689,7 +9346,7 @@
             <a:fld id="{A4F910E6-8D00-4BAF-8C48-9688E0B449D3}" type="datetime1">
               <a:rPr lang="zh-TW" altLang="en-US" smtClean="0"/>
               <a:pPr/>
-              <a:t>2020/5/28</a:t>
+              <a:t>2020/5/30</a:t>
             </a:fld>
             <a:endParaRPr lang="zh-TW" altLang="en-US"/>
           </a:p>
@@ -9713,16 +9370,51 @@
             <a:fld id="{E4D7E63D-91F2-4366-A2C4-1B00C9E2590E}" type="slidenum">
               <a:rPr lang="zh-TW" altLang="en-US" smtClean="0"/>
               <a:pPr/>
-              <a:t>5</a:t>
+              <a:t>24</a:t>
             </a:fld>
             <a:endParaRPr lang="zh-TW" altLang="en-US"/>
           </a:p>
         </p:txBody>
       </p:sp>
+      <p:pic>
+        <p:nvPicPr>
+          <p:cNvPr id="8" name="Picture 7">
+            <a:extLst>
+              <a:ext uri="{FF2B5EF4-FFF2-40B4-BE49-F238E27FC236}">
+                <a16:creationId xmlns:a16="http://schemas.microsoft.com/office/drawing/2014/main" id="{11D18C8A-4CC7-42C1-B72F-7B65C03F0044}"/>
+              </a:ext>
+            </a:extLst>
+          </p:cNvPr>
+          <p:cNvPicPr>
+            <a:picLocks noChangeAspect="1"/>
+          </p:cNvPicPr>
+          <p:nvPr/>
+        </p:nvPicPr>
+        <p:blipFill>
+          <a:blip r:embed="rId3"/>
+          <a:stretch>
+            <a:fillRect/>
+          </a:stretch>
+        </p:blipFill>
+        <p:spPr>
+          <a:xfrm>
+            <a:off x="1545327" y="1256566"/>
+            <a:ext cx="6896100" cy="5219700"/>
+          </a:xfrm>
+          <a:prstGeom prst="rect">
+            <a:avLst/>
+          </a:prstGeom>
+          <a:ln>
+            <a:solidFill>
+              <a:srgbClr val="C00000"/>
+            </a:solidFill>
+          </a:ln>
+        </p:spPr>
+      </p:pic>
     </p:spTree>
     <p:extLst>
       <p:ext uri="{BB962C8B-B14F-4D97-AF65-F5344CB8AC3E}">
-        <p14:creationId xmlns:p14="http://schemas.microsoft.com/office/powerpoint/2010/main" val="456903605"/>
+        <p14:creationId xmlns:p14="http://schemas.microsoft.com/office/powerpoint/2010/main" val="3272777673"/>
       </p:ext>
     </p:extLst>
   </p:cSld>
@@ -9732,7 +9424,7 @@
 </p:sld>
 </file>
 
-<file path=ppt/slides/slide6.xml><?xml version="1.0" encoding="utf-8"?>
+<file path=ppt/slides/slide25.xml><?xml version="1.0" encoding="utf-8"?>
 <p:sld xmlns:a="http://schemas.openxmlformats.org/drawingml/2006/main" xmlns:r="http://schemas.openxmlformats.org/officeDocument/2006/relationships" xmlns:p="http://schemas.openxmlformats.org/presentationml/2006/main">
   <p:cSld>
     <p:spTree>
@@ -9804,7 +9496,7 @@
                   <a:srgbClr val="FFFF00"/>
                 </a:solidFill>
               </a:rPr>
-              <a:t>16 Training Set (Part 2)</a:t>
+              <a:t>16.5 Quiz</a:t>
             </a:r>
             <a:endParaRPr lang="zh-TW" altLang="en-US" b="1" dirty="0">
               <a:solidFill>
@@ -9826,8 +9518,8 @@
         </p:nvSpPr>
         <p:spPr>
           <a:xfrm>
-            <a:off x="457200" y="1273299"/>
-            <a:ext cx="8352928" cy="954085"/>
+            <a:off x="333872" y="1277969"/>
+            <a:ext cx="1141784" cy="360041"/>
           </a:xfrm>
           <a:ln>
             <a:solidFill>
@@ -9850,96 +9542,12 @@
               <a:buChar char="u"/>
             </a:pPr>
             <a:r>
-              <a:rPr lang="en-US" sz="1800" dirty="0">
-                <a:solidFill>
-                  <a:schemeClr val="tx1"/>
-                </a:solidFill>
-              </a:rPr>
-              <a:t>&gt; print ('\</a:t>
-            </a:r>
-            <a:r>
-              <a:rPr lang="en-US" sz="1800" dirty="0" err="1">
-                <a:solidFill>
-                  <a:schemeClr val="tx1"/>
-                </a:solidFill>
-              </a:rPr>
-              <a:t>ntrain_set.train_labels.bincount</a:t>
-            </a:r>
-            <a:r>
-              <a:rPr lang="en-US" sz="1800" dirty="0">
-                <a:solidFill>
-                  <a:schemeClr val="tx1"/>
-                </a:solidFill>
-              </a:rPr>
-              <a:t>():', </a:t>
-            </a:r>
-            <a:r>
-              <a:rPr lang="en-US" sz="1800" dirty="0" err="1">
-                <a:solidFill>
-                  <a:schemeClr val="tx1"/>
-                </a:solidFill>
-              </a:rPr>
-              <a:t>train_set.train_labels.bincount</a:t>
-            </a:r>
-            <a:r>
-              <a:rPr lang="en-US" sz="1800" dirty="0">
-                <a:solidFill>
-                  <a:schemeClr val="tx1"/>
-                </a:solidFill>
-              </a:rPr>
-              <a:t>())</a:t>
-            </a:r>
-          </a:p>
-          <a:p>
-            <a:pPr marL="342900" indent="-342900" algn="l">
-              <a:buClr>
-                <a:srgbClr val="0070C0"/>
-              </a:buClr>
-              <a:buSzPct val="80000"/>
-              <a:buFont typeface="Wingdings" pitchFamily="2" charset="2"/>
-              <a:buChar char="u"/>
-            </a:pPr>
-            <a:r>
-              <a:rPr lang="en-US" sz="1800" dirty="0">
-                <a:solidFill>
-                  <a:schemeClr val="tx1"/>
-                </a:solidFill>
-              </a:rPr>
-              <a:t># </a:t>
-            </a:r>
-            <a:r>
-              <a:rPr lang="en-US" sz="1800" dirty="0" err="1">
-                <a:solidFill>
-                  <a:schemeClr val="tx1"/>
-                </a:solidFill>
-              </a:rPr>
-              <a:t>bincount</a:t>
-            </a:r>
-            <a:r>
-              <a:rPr lang="en-US" sz="1800" dirty="0">
-                <a:solidFill>
-                  <a:schemeClr val="tx1"/>
-                </a:solidFill>
-              </a:rPr>
-              <a:t> is frequency appeared [6000, 6000, 6000, …, 6000, 6000, 6000]  </a:t>
-            </a:r>
-          </a:p>
-          <a:p>
-            <a:pPr marL="342900" indent="-342900" algn="l">
-              <a:buClr>
-                <a:srgbClr val="0070C0"/>
-              </a:buClr>
-              <a:buSzPct val="80000"/>
-              <a:buFont typeface="Wingdings" pitchFamily="2" charset="2"/>
-              <a:buChar char="u"/>
-            </a:pPr>
-            <a:r>
-              <a:rPr lang="en-US" sz="1800" dirty="0">
-                <a:solidFill>
-                  <a:schemeClr val="tx1"/>
-                </a:solidFill>
-              </a:rPr>
-              <a:t># for each label 0-9. This is an uniform sample of all the labels.</a:t>
+              <a:rPr lang="en-US" sz="1800" b="1" dirty="0">
+                <a:solidFill>
+                  <a:schemeClr val="tx1"/>
+                </a:solidFill>
+              </a:rPr>
+              <a:t>Quiz</a:t>
             </a:r>
           </a:p>
         </p:txBody>
@@ -10039,7 +9647,2184 @@
             <a:fld id="{A4F910E6-8D00-4BAF-8C48-9688E0B449D3}" type="datetime1">
               <a:rPr lang="zh-TW" altLang="en-US" smtClean="0"/>
               <a:pPr/>
-              <a:t>2020/5/28</a:t>
+              <a:t>2020/5/30</a:t>
+            </a:fld>
+            <a:endParaRPr lang="zh-TW" altLang="en-US"/>
+          </a:p>
+        </p:txBody>
+      </p:sp>
+      <p:sp>
+        <p:nvSpPr>
+          <p:cNvPr id="6" name="投影片編號版面配置區 5"/>
+          <p:cNvSpPr>
+            <a:spLocks noGrp="1"/>
+          </p:cNvSpPr>
+          <p:nvPr>
+            <p:ph type="sldNum" sz="quarter" idx="12"/>
+          </p:nvPr>
+        </p:nvSpPr>
+        <p:spPr/>
+        <p:txBody>
+          <a:bodyPr/>
+          <a:lstStyle/>
+          <a:p>
+            <a:fld id="{E4D7E63D-91F2-4366-A2C4-1B00C9E2590E}" type="slidenum">
+              <a:rPr lang="zh-TW" altLang="en-US" smtClean="0"/>
+              <a:pPr/>
+              <a:t>25</a:t>
+            </a:fld>
+            <a:endParaRPr lang="zh-TW" altLang="en-US"/>
+          </a:p>
+        </p:txBody>
+      </p:sp>
+      <p:pic>
+        <p:nvPicPr>
+          <p:cNvPr id="7" name="Picture 6">
+            <a:extLst>
+              <a:ext uri="{FF2B5EF4-FFF2-40B4-BE49-F238E27FC236}">
+                <a16:creationId xmlns:a16="http://schemas.microsoft.com/office/drawing/2014/main" id="{7F5571C4-205B-440F-9197-4D3723A674B2}"/>
+              </a:ext>
+            </a:extLst>
+          </p:cNvPr>
+          <p:cNvPicPr>
+            <a:picLocks noChangeAspect="1"/>
+          </p:cNvPicPr>
+          <p:nvPr/>
+        </p:nvPicPr>
+        <p:blipFill>
+          <a:blip r:embed="rId3"/>
+          <a:stretch>
+            <a:fillRect/>
+          </a:stretch>
+        </p:blipFill>
+        <p:spPr>
+          <a:xfrm>
+            <a:off x="1691680" y="1277969"/>
+            <a:ext cx="6810375" cy="1914525"/>
+          </a:xfrm>
+          <a:prstGeom prst="rect">
+            <a:avLst/>
+          </a:prstGeom>
+          <a:ln>
+            <a:solidFill>
+              <a:srgbClr val="C00000"/>
+            </a:solidFill>
+          </a:ln>
+        </p:spPr>
+      </p:pic>
+    </p:spTree>
+    <p:extLst>
+      <p:ext uri="{BB962C8B-B14F-4D97-AF65-F5344CB8AC3E}">
+        <p14:creationId xmlns:p14="http://schemas.microsoft.com/office/powerpoint/2010/main" val="4280413709"/>
+      </p:ext>
+    </p:extLst>
+  </p:cSld>
+  <p:clrMapOvr>
+    <a:masterClrMapping/>
+  </p:clrMapOvr>
+</p:sld>
+</file>
+
+<file path=ppt/slides/slide26.xml><?xml version="1.0" encoding="utf-8"?>
+<p:sld xmlns:a="http://schemas.openxmlformats.org/drawingml/2006/main" xmlns:r="http://schemas.openxmlformats.org/officeDocument/2006/relationships" xmlns:p="http://schemas.openxmlformats.org/presentationml/2006/main">
+  <p:cSld>
+    <p:spTree>
+      <p:nvGrpSpPr>
+        <p:cNvPr id="1" name=""/>
+        <p:cNvGrpSpPr/>
+        <p:nvPr/>
+      </p:nvGrpSpPr>
+      <p:grpSpPr>
+        <a:xfrm>
+          <a:off x="0" y="0"/>
+          <a:ext cx="0" cy="0"/>
+          <a:chOff x="0" y="0"/>
+          <a:chExt cx="0" cy="0"/>
+        </a:xfrm>
+      </p:grpSpPr>
+      <p:sp>
+        <p:nvSpPr>
+          <p:cNvPr id="2" name="標題 1"/>
+          <p:cNvSpPr>
+            <a:spLocks noGrp="1"/>
+          </p:cNvSpPr>
+          <p:nvPr>
+            <p:ph type="ctrTitle"/>
+          </p:nvPr>
+        </p:nvSpPr>
+        <p:spPr>
+          <a:xfrm>
+            <a:off x="0" y="2130425"/>
+            <a:ext cx="9144000" cy="1470025"/>
+          </a:xfrm>
+          <a:gradFill flip="none" rotWithShape="1">
+            <a:gsLst>
+              <a:gs pos="0">
+                <a:srgbClr val="00B0F0">
+                  <a:shade val="30000"/>
+                  <a:satMod val="115000"/>
+                </a:srgbClr>
+              </a:gs>
+              <a:gs pos="50000">
+                <a:srgbClr val="00B0F0">
+                  <a:shade val="67500"/>
+                  <a:satMod val="115000"/>
+                </a:srgbClr>
+              </a:gs>
+              <a:gs pos="100000">
+                <a:srgbClr val="00B0F0">
+                  <a:shade val="100000"/>
+                  <a:satMod val="115000"/>
+                </a:srgbClr>
+              </a:gs>
+            </a:gsLst>
+            <a:path path="circle">
+              <a:fillToRect t="100000" r="100000"/>
+            </a:path>
+            <a:tileRect l="-100000" b="-100000"/>
+          </a:gradFill>
+        </p:spPr>
+        <p:txBody>
+          <a:bodyPr>
+            <a:normAutofit/>
+          </a:bodyPr>
+          <a:lstStyle/>
+          <a:p>
+            <a:r>
+              <a:rPr lang="en-US" altLang="zh-TW" sz="6000" b="1" dirty="0">
+                <a:solidFill>
+                  <a:srgbClr val="FFFF00"/>
+                </a:solidFill>
+              </a:rPr>
+              <a:t>End of Chapter</a:t>
+            </a:r>
+            <a:endParaRPr lang="zh-TW" altLang="en-US" sz="6000" b="1" dirty="0">
+              <a:solidFill>
+                <a:srgbClr val="FFFF00"/>
+              </a:solidFill>
+            </a:endParaRPr>
+          </a:p>
+        </p:txBody>
+      </p:sp>
+      <p:sp>
+        <p:nvSpPr>
+          <p:cNvPr id="5" name="日期版面配置區 4"/>
+          <p:cNvSpPr>
+            <a:spLocks noGrp="1"/>
+          </p:cNvSpPr>
+          <p:nvPr>
+            <p:ph type="dt" sz="half" idx="10"/>
+          </p:nvPr>
+        </p:nvSpPr>
+        <p:spPr/>
+        <p:txBody>
+          <a:bodyPr/>
+          <a:lstStyle/>
+          <a:p>
+            <a:fld id="{4E46BE27-E923-4EC2-B046-3272AE2A3E5C}" type="datetime1">
+              <a:rPr lang="zh-TW" altLang="en-US" smtClean="0"/>
+              <a:pPr/>
+              <a:t>2020/5/30</a:t>
+            </a:fld>
+            <a:endParaRPr lang="zh-TW" altLang="en-US"/>
+          </a:p>
+        </p:txBody>
+      </p:sp>
+      <p:sp>
+        <p:nvSpPr>
+          <p:cNvPr id="6" name="投影片編號版面配置區 5"/>
+          <p:cNvSpPr>
+            <a:spLocks noGrp="1"/>
+          </p:cNvSpPr>
+          <p:nvPr>
+            <p:ph type="sldNum" sz="quarter" idx="12"/>
+          </p:nvPr>
+        </p:nvSpPr>
+        <p:spPr/>
+        <p:txBody>
+          <a:bodyPr/>
+          <a:lstStyle/>
+          <a:p>
+            <a:fld id="{E4D7E63D-91F2-4366-A2C4-1B00C9E2590E}" type="slidenum">
+              <a:rPr lang="zh-TW" altLang="en-US" smtClean="0"/>
+              <a:pPr/>
+              <a:t>26</a:t>
+            </a:fld>
+            <a:endParaRPr lang="zh-TW" altLang="en-US"/>
+          </a:p>
+        </p:txBody>
+      </p:sp>
+    </p:spTree>
+  </p:cSld>
+  <p:clrMapOvr>
+    <a:masterClrMapping/>
+  </p:clrMapOvr>
+</p:sld>
+</file>
+
+<file path=ppt/slides/slide3.xml><?xml version="1.0" encoding="utf-8"?>
+<p:sld xmlns:a="http://schemas.openxmlformats.org/drawingml/2006/main" xmlns:r="http://schemas.openxmlformats.org/officeDocument/2006/relationships" xmlns:p="http://schemas.openxmlformats.org/presentationml/2006/main">
+  <p:cSld>
+    <p:spTree>
+      <p:nvGrpSpPr>
+        <p:cNvPr id="1" name=""/>
+        <p:cNvGrpSpPr/>
+        <p:nvPr/>
+      </p:nvGrpSpPr>
+      <p:grpSpPr>
+        <a:xfrm>
+          <a:off x="0" y="0"/>
+          <a:ext cx="0" cy="0"/>
+          <a:chOff x="0" y="0"/>
+          <a:chExt cx="0" cy="0"/>
+        </a:xfrm>
+      </p:grpSpPr>
+      <p:sp>
+        <p:nvSpPr>
+          <p:cNvPr id="2" name="標題 1"/>
+          <p:cNvSpPr>
+            <a:spLocks noGrp="1"/>
+          </p:cNvSpPr>
+          <p:nvPr>
+            <p:ph type="ctrTitle"/>
+          </p:nvPr>
+        </p:nvSpPr>
+        <p:spPr>
+          <a:xfrm>
+            <a:off x="0" y="1"/>
+            <a:ext cx="9144000" cy="764704"/>
+          </a:xfrm>
+          <a:gradFill flip="none" rotWithShape="1">
+            <a:gsLst>
+              <a:gs pos="0">
+                <a:srgbClr val="C00000">
+                  <a:shade val="30000"/>
+                  <a:satMod val="115000"/>
+                </a:srgbClr>
+              </a:gs>
+              <a:gs pos="50000">
+                <a:srgbClr val="C00000">
+                  <a:shade val="67500"/>
+                  <a:satMod val="115000"/>
+                </a:srgbClr>
+              </a:gs>
+              <a:gs pos="100000">
+                <a:srgbClr val="C00000">
+                  <a:shade val="100000"/>
+                  <a:satMod val="115000"/>
+                </a:srgbClr>
+              </a:gs>
+            </a:gsLst>
+            <a:path path="circle">
+              <a:fillToRect t="100000" r="100000"/>
+            </a:path>
+            <a:tileRect l="-100000" b="-100000"/>
+          </a:gradFill>
+        </p:spPr>
+        <p:txBody>
+          <a:bodyPr>
+            <a:normAutofit/>
+          </a:bodyPr>
+          <a:lstStyle/>
+          <a:p>
+            <a:pPr algn="l"/>
+            <a:r>
+              <a:rPr lang="en-US" altLang="zh-TW" b="1" dirty="0">
+                <a:solidFill>
+                  <a:srgbClr val="FFFF00"/>
+                </a:solidFill>
+              </a:rPr>
+              <a:t>16 Training Set (Part 2)</a:t>
+            </a:r>
+            <a:endParaRPr lang="zh-TW" altLang="en-US" b="1" dirty="0">
+              <a:solidFill>
+                <a:srgbClr val="FFFF00"/>
+              </a:solidFill>
+            </a:endParaRPr>
+          </a:p>
+        </p:txBody>
+      </p:sp>
+      <p:sp>
+        <p:nvSpPr>
+          <p:cNvPr id="3" name="副標題 2"/>
+          <p:cNvSpPr>
+            <a:spLocks noGrp="1"/>
+          </p:cNvSpPr>
+          <p:nvPr>
+            <p:ph type="subTitle" idx="1"/>
+          </p:nvPr>
+        </p:nvSpPr>
+        <p:spPr>
+          <a:xfrm>
+            <a:off x="457200" y="1325449"/>
+            <a:ext cx="8352928" cy="3615719"/>
+          </a:xfrm>
+          <a:ln>
+            <a:solidFill>
+              <a:srgbClr val="C00000"/>
+            </a:solidFill>
+          </a:ln>
+        </p:spPr>
+        <p:txBody>
+          <a:bodyPr>
+            <a:noAutofit/>
+          </a:bodyPr>
+          <a:lstStyle/>
+          <a:p>
+            <a:pPr marL="342900" indent="-342900" algn="l">
+              <a:buClr>
+                <a:srgbClr val="0070C0"/>
+              </a:buClr>
+              <a:buSzPct val="80000"/>
+              <a:buFont typeface="Wingdings" pitchFamily="2" charset="2"/>
+              <a:buChar char="u"/>
+            </a:pPr>
+            <a:r>
+              <a:rPr lang="en-US" sz="1800" dirty="0">
+                <a:solidFill>
+                  <a:schemeClr val="tx1"/>
+                </a:solidFill>
+              </a:rPr>
+              <a:t>We import torch, torchvision, and transforms class in the torchvision package.</a:t>
+            </a:r>
+          </a:p>
+          <a:p>
+            <a:pPr marL="342900" indent="-342900" algn="l">
+              <a:buClr>
+                <a:srgbClr val="0070C0"/>
+              </a:buClr>
+              <a:buSzPct val="80000"/>
+              <a:buFont typeface="Wingdings" pitchFamily="2" charset="2"/>
+              <a:buChar char="u"/>
+            </a:pPr>
+            <a:r>
+              <a:rPr lang="en-US" sz="1800" dirty="0">
+                <a:solidFill>
+                  <a:schemeClr val="tx1"/>
+                </a:solidFill>
+              </a:rPr>
+              <a:t>&gt; import torch</a:t>
+            </a:r>
+          </a:p>
+          <a:p>
+            <a:pPr marL="342900" indent="-342900" algn="l">
+              <a:buClr>
+                <a:srgbClr val="0070C0"/>
+              </a:buClr>
+              <a:buSzPct val="80000"/>
+              <a:buFont typeface="Wingdings" pitchFamily="2" charset="2"/>
+              <a:buChar char="u"/>
+            </a:pPr>
+            <a:r>
+              <a:rPr lang="en-US" sz="1800" dirty="0">
+                <a:solidFill>
+                  <a:schemeClr val="tx1"/>
+                </a:solidFill>
+              </a:rPr>
+              <a:t>&gt; import torchvision</a:t>
+            </a:r>
+          </a:p>
+          <a:p>
+            <a:pPr marL="342900" indent="-342900" algn="l">
+              <a:buClr>
+                <a:srgbClr val="0070C0"/>
+              </a:buClr>
+              <a:buSzPct val="80000"/>
+              <a:buFont typeface="Wingdings" pitchFamily="2" charset="2"/>
+              <a:buChar char="u"/>
+            </a:pPr>
+            <a:r>
+              <a:rPr lang="en-US" sz="1800" dirty="0">
+                <a:solidFill>
+                  <a:schemeClr val="tx1"/>
+                </a:solidFill>
+              </a:rPr>
+              <a:t>&gt; import </a:t>
+            </a:r>
+            <a:r>
+              <a:rPr lang="en-US" sz="1800" dirty="0" err="1">
+                <a:solidFill>
+                  <a:schemeClr val="tx1"/>
+                </a:solidFill>
+              </a:rPr>
+              <a:t>torchvision.transforms</a:t>
+            </a:r>
+            <a:r>
+              <a:rPr lang="en-US" sz="1800" dirty="0">
+                <a:solidFill>
+                  <a:schemeClr val="tx1"/>
+                </a:solidFill>
+              </a:rPr>
+              <a:t> as transforms</a:t>
+            </a:r>
+          </a:p>
+          <a:p>
+            <a:pPr marL="342900" indent="-342900" algn="l">
+              <a:buClr>
+                <a:srgbClr val="0070C0"/>
+              </a:buClr>
+              <a:buSzPct val="80000"/>
+              <a:buFont typeface="Wingdings" pitchFamily="2" charset="2"/>
+              <a:buChar char="u"/>
+            </a:pPr>
+            <a:r>
+              <a:rPr lang="en-US" sz="1800" dirty="0">
+                <a:solidFill>
+                  <a:schemeClr val="tx1"/>
+                </a:solidFill>
+              </a:rPr>
+              <a:t>&gt; train_set = </a:t>
+            </a:r>
+            <a:r>
+              <a:rPr lang="en-US" sz="1800" dirty="0" err="1">
+                <a:solidFill>
+                  <a:schemeClr val="tx1"/>
+                </a:solidFill>
+              </a:rPr>
+              <a:t>torchvision.datasets.FashionMNIST</a:t>
+            </a:r>
+            <a:r>
+              <a:rPr lang="en-US" sz="1800" dirty="0">
+                <a:solidFill>
+                  <a:schemeClr val="tx1"/>
+                </a:solidFill>
+              </a:rPr>
+              <a:t> (</a:t>
+            </a:r>
+          </a:p>
+          <a:p>
+            <a:pPr marL="342900" indent="-342900" algn="l">
+              <a:buClr>
+                <a:srgbClr val="0070C0"/>
+              </a:buClr>
+              <a:buSzPct val="80000"/>
+              <a:buFont typeface="Wingdings" pitchFamily="2" charset="2"/>
+              <a:buChar char="u"/>
+            </a:pPr>
+            <a:r>
+              <a:rPr lang="en-US" sz="1800" dirty="0">
+                <a:solidFill>
+                  <a:schemeClr val="tx1"/>
+                </a:solidFill>
+              </a:rPr>
+              <a:t>&gt; 	</a:t>
+            </a:r>
+            <a:r>
+              <a:rPr lang="en-US" sz="1800" dirty="0" err="1">
+                <a:solidFill>
+                  <a:schemeClr val="tx1"/>
+                </a:solidFill>
+              </a:rPr>
+              <a:t>roo</a:t>
+            </a:r>
+            <a:r>
+              <a:rPr lang="en-US" sz="1800" dirty="0">
+                <a:solidFill>
+                  <a:schemeClr val="tx1"/>
+                </a:solidFill>
+              </a:rPr>
+              <a:t>=‘./data/</a:t>
+            </a:r>
+            <a:r>
+              <a:rPr lang="en-US" sz="1800" dirty="0" err="1">
+                <a:solidFill>
+                  <a:schemeClr val="tx1"/>
+                </a:solidFill>
+              </a:rPr>
+              <a:t>FashionMNIST</a:t>
+            </a:r>
+            <a:r>
+              <a:rPr lang="en-US" sz="1800" dirty="0">
+                <a:solidFill>
+                  <a:schemeClr val="tx1"/>
+                </a:solidFill>
+              </a:rPr>
+              <a:t>’,</a:t>
+            </a:r>
+          </a:p>
+          <a:p>
+            <a:pPr marL="342900" indent="-342900" algn="l">
+              <a:buClr>
+                <a:srgbClr val="0070C0"/>
+              </a:buClr>
+              <a:buSzPct val="80000"/>
+              <a:buFont typeface="Wingdings" pitchFamily="2" charset="2"/>
+              <a:buChar char="u"/>
+            </a:pPr>
+            <a:r>
+              <a:rPr lang="en-US" sz="1800" dirty="0">
+                <a:solidFill>
+                  <a:schemeClr val="tx1"/>
+                </a:solidFill>
+              </a:rPr>
+              <a:t>&gt;	train=True,</a:t>
+            </a:r>
+          </a:p>
+          <a:p>
+            <a:pPr marL="342900" indent="-342900" algn="l">
+              <a:buClr>
+                <a:srgbClr val="0070C0"/>
+              </a:buClr>
+              <a:buSzPct val="80000"/>
+              <a:buFont typeface="Wingdings" pitchFamily="2" charset="2"/>
+              <a:buChar char="u"/>
+            </a:pPr>
+            <a:r>
+              <a:rPr lang="en-US" sz="1800" dirty="0">
+                <a:solidFill>
+                  <a:schemeClr val="tx1"/>
+                </a:solidFill>
+              </a:rPr>
+              <a:t>&gt;	download=True,</a:t>
+            </a:r>
+          </a:p>
+          <a:p>
+            <a:pPr marL="342900" indent="-342900" algn="l">
+              <a:buClr>
+                <a:srgbClr val="0070C0"/>
+              </a:buClr>
+              <a:buSzPct val="80000"/>
+              <a:buFont typeface="Wingdings" pitchFamily="2" charset="2"/>
+              <a:buChar char="u"/>
+            </a:pPr>
+            <a:r>
+              <a:rPr lang="en-US" sz="1800" dirty="0">
+                <a:solidFill>
+                  <a:schemeClr val="tx1"/>
+                </a:solidFill>
+              </a:rPr>
+              <a:t>&gt;	transform=</a:t>
+            </a:r>
+            <a:r>
+              <a:rPr lang="en-US" sz="1800" dirty="0" err="1">
+                <a:solidFill>
+                  <a:schemeClr val="tx1"/>
+                </a:solidFill>
+              </a:rPr>
+              <a:t>transforms.compose</a:t>
+            </a:r>
+            <a:r>
+              <a:rPr lang="en-US" sz="1800" dirty="0">
+                <a:solidFill>
+                  <a:schemeClr val="tx1"/>
+                </a:solidFill>
+              </a:rPr>
+              <a:t> ([</a:t>
+            </a:r>
+            <a:r>
+              <a:rPr lang="en-US" sz="1800" dirty="0" err="1">
+                <a:solidFill>
+                  <a:schemeClr val="tx1"/>
+                </a:solidFill>
+              </a:rPr>
+              <a:t>transofrms.ToTensor</a:t>
+            </a:r>
+            <a:r>
+              <a:rPr lang="en-US" sz="1800" dirty="0">
+                <a:solidFill>
+                  <a:schemeClr val="tx1"/>
+                </a:solidFill>
+              </a:rPr>
+              <a:t>()])</a:t>
+            </a:r>
+          </a:p>
+          <a:p>
+            <a:pPr marL="342900" indent="-342900" algn="l">
+              <a:buClr>
+                <a:srgbClr val="0070C0"/>
+              </a:buClr>
+              <a:buSzPct val="80000"/>
+              <a:buFont typeface="Wingdings" pitchFamily="2" charset="2"/>
+              <a:buChar char="u"/>
+            </a:pPr>
+            <a:r>
+              <a:rPr lang="en-US" sz="1800" dirty="0">
+                <a:solidFill>
+                  <a:schemeClr val="tx1"/>
+                </a:solidFill>
+              </a:rPr>
+              <a:t>&gt; )</a:t>
+            </a:r>
+          </a:p>
+          <a:p>
+            <a:pPr marL="342900" indent="-342900" algn="l">
+              <a:buClr>
+                <a:srgbClr val="0070C0"/>
+              </a:buClr>
+              <a:buSzPct val="80000"/>
+              <a:buFont typeface="Wingdings" pitchFamily="2" charset="2"/>
+              <a:buChar char="u"/>
+            </a:pPr>
+            <a:r>
+              <a:rPr lang="en-US" sz="1800" dirty="0">
+                <a:solidFill>
+                  <a:schemeClr val="tx1"/>
+                </a:solidFill>
+              </a:rPr>
+              <a:t>&gt; train_loader = </a:t>
+            </a:r>
+            <a:r>
+              <a:rPr lang="en-US" sz="1800" dirty="0" err="1">
+                <a:solidFill>
+                  <a:schemeClr val="tx1"/>
+                </a:solidFill>
+              </a:rPr>
+              <a:t>torch.utils.data.DataLoader</a:t>
+            </a:r>
+            <a:r>
+              <a:rPr lang="en-US" sz="1800" dirty="0">
+                <a:solidFill>
+                  <a:schemeClr val="tx1"/>
+                </a:solidFill>
+              </a:rPr>
+              <a:t>(train_set, </a:t>
+            </a:r>
+            <a:r>
+              <a:rPr lang="en-US" sz="1800" dirty="0" err="1">
+                <a:solidFill>
+                  <a:schemeClr val="tx1"/>
+                </a:solidFill>
+              </a:rPr>
+              <a:t>batch_size</a:t>
+            </a:r>
+            <a:r>
+              <a:rPr lang="en-US" sz="1800" dirty="0">
+                <a:solidFill>
+                  <a:schemeClr val="tx1"/>
+                </a:solidFill>
+              </a:rPr>
+              <a:t>=10)</a:t>
+            </a:r>
+          </a:p>
+        </p:txBody>
+      </p:sp>
+      <p:sp>
+        <p:nvSpPr>
+          <p:cNvPr id="4" name="標題 1"/>
+          <p:cNvSpPr txBox="1">
+            <a:spLocks/>
+          </p:cNvSpPr>
+          <p:nvPr/>
+        </p:nvSpPr>
+        <p:spPr>
+          <a:xfrm>
+            <a:off x="0" y="764704"/>
+            <a:ext cx="9144000" cy="360040"/>
+          </a:xfrm>
+          <a:prstGeom prst="rect">
+            <a:avLst/>
+          </a:prstGeom>
+          <a:gradFill flip="none" rotWithShape="1">
+            <a:gsLst>
+              <a:gs pos="0">
+                <a:srgbClr val="00B0F0">
+                  <a:shade val="30000"/>
+                  <a:satMod val="115000"/>
+                </a:srgbClr>
+              </a:gs>
+              <a:gs pos="50000">
+                <a:srgbClr val="00B0F0">
+                  <a:shade val="67500"/>
+                  <a:satMod val="115000"/>
+                </a:srgbClr>
+              </a:gs>
+              <a:gs pos="100000">
+                <a:srgbClr val="00B0F0">
+                  <a:shade val="100000"/>
+                  <a:satMod val="115000"/>
+                </a:srgbClr>
+              </a:gs>
+            </a:gsLst>
+            <a:path path="circle">
+              <a:fillToRect t="100000" r="100000"/>
+            </a:path>
+            <a:tileRect l="-100000" b="-100000"/>
+          </a:gradFill>
+        </p:spPr>
+        <p:txBody>
+          <a:bodyPr vert="horz" lIns="91440" tIns="45720" rIns="91440" bIns="45720" rtlCol="0" anchor="ctr">
+            <a:normAutofit fontScale="92500"/>
+          </a:bodyPr>
+          <a:lstStyle/>
+          <a:p>
+            <a:pPr lvl="0">
+              <a:spcBef>
+                <a:spcPct val="0"/>
+              </a:spcBef>
+            </a:pPr>
+            <a:r>
+              <a:rPr lang="en-US" sz="1600" dirty="0">
+                <a:hlinkClick r:id="rId2"/>
+              </a:rPr>
+              <a:t>https://www.youtube.com/watch?v=mUueSPmcOBc&amp;list=PLZbbT5o_s2xrfNyHZsM6ufI0iZENK9xgG&amp;index=16</a:t>
+            </a:r>
+            <a:endParaRPr kumimoji="0" lang="zh-TW" altLang="en-US" sz="1600" b="0" i="0" u="none" strike="noStrike" kern="1200" cap="none" spc="0" normalizeH="0" baseline="0" noProof="0" dirty="0">
+              <a:ln>
+                <a:noFill/>
+              </a:ln>
+              <a:solidFill>
+                <a:schemeClr val="tx1"/>
+              </a:solidFill>
+              <a:effectLst/>
+              <a:uLnTx/>
+              <a:uFillTx/>
+              <a:latin typeface="+mj-lt"/>
+              <a:ea typeface="+mj-ea"/>
+              <a:cs typeface="+mj-cs"/>
+            </a:endParaRPr>
+          </a:p>
+        </p:txBody>
+      </p:sp>
+      <p:sp>
+        <p:nvSpPr>
+          <p:cNvPr id="5" name="日期版面配置區 4"/>
+          <p:cNvSpPr>
+            <a:spLocks noGrp="1"/>
+          </p:cNvSpPr>
+          <p:nvPr>
+            <p:ph type="dt" sz="half" idx="10"/>
+          </p:nvPr>
+        </p:nvSpPr>
+        <p:spPr/>
+        <p:txBody>
+          <a:bodyPr/>
+          <a:lstStyle/>
+          <a:p>
+            <a:fld id="{A4F910E6-8D00-4BAF-8C48-9688E0B449D3}" type="datetime1">
+              <a:rPr lang="zh-TW" altLang="en-US" smtClean="0"/>
+              <a:pPr/>
+              <a:t>2020/5/30</a:t>
+            </a:fld>
+            <a:endParaRPr lang="zh-TW" altLang="en-US"/>
+          </a:p>
+        </p:txBody>
+      </p:sp>
+      <p:sp>
+        <p:nvSpPr>
+          <p:cNvPr id="6" name="投影片編號版面配置區 5"/>
+          <p:cNvSpPr>
+            <a:spLocks noGrp="1"/>
+          </p:cNvSpPr>
+          <p:nvPr>
+            <p:ph type="sldNum" sz="quarter" idx="12"/>
+          </p:nvPr>
+        </p:nvSpPr>
+        <p:spPr/>
+        <p:txBody>
+          <a:bodyPr/>
+          <a:lstStyle/>
+          <a:p>
+            <a:fld id="{E4D7E63D-91F2-4366-A2C4-1B00C9E2590E}" type="slidenum">
+              <a:rPr lang="zh-TW" altLang="en-US" smtClean="0"/>
+              <a:pPr/>
+              <a:t>3</a:t>
+            </a:fld>
+            <a:endParaRPr lang="zh-TW" altLang="en-US"/>
+          </a:p>
+        </p:txBody>
+      </p:sp>
+    </p:spTree>
+    <p:extLst>
+      <p:ext uri="{BB962C8B-B14F-4D97-AF65-F5344CB8AC3E}">
+        <p14:creationId xmlns:p14="http://schemas.microsoft.com/office/powerpoint/2010/main" val="3399246204"/>
+      </p:ext>
+    </p:extLst>
+  </p:cSld>
+  <p:clrMapOvr>
+    <a:masterClrMapping/>
+  </p:clrMapOvr>
+</p:sld>
+</file>
+
+<file path=ppt/slides/slide4.xml><?xml version="1.0" encoding="utf-8"?>
+<p:sld xmlns:a="http://schemas.openxmlformats.org/drawingml/2006/main" xmlns:r="http://schemas.openxmlformats.org/officeDocument/2006/relationships" xmlns:p="http://schemas.openxmlformats.org/presentationml/2006/main">
+  <p:cSld>
+    <p:spTree>
+      <p:nvGrpSpPr>
+        <p:cNvPr id="1" name=""/>
+        <p:cNvGrpSpPr/>
+        <p:nvPr/>
+      </p:nvGrpSpPr>
+      <p:grpSpPr>
+        <a:xfrm>
+          <a:off x="0" y="0"/>
+          <a:ext cx="0" cy="0"/>
+          <a:chOff x="0" y="0"/>
+          <a:chExt cx="0" cy="0"/>
+        </a:xfrm>
+      </p:grpSpPr>
+      <p:sp>
+        <p:nvSpPr>
+          <p:cNvPr id="2" name="標題 1"/>
+          <p:cNvSpPr>
+            <a:spLocks noGrp="1"/>
+          </p:cNvSpPr>
+          <p:nvPr>
+            <p:ph type="ctrTitle"/>
+          </p:nvPr>
+        </p:nvSpPr>
+        <p:spPr>
+          <a:xfrm>
+            <a:off x="0" y="1"/>
+            <a:ext cx="9144000" cy="764704"/>
+          </a:xfrm>
+          <a:gradFill flip="none" rotWithShape="1">
+            <a:gsLst>
+              <a:gs pos="0">
+                <a:srgbClr val="C00000">
+                  <a:shade val="30000"/>
+                  <a:satMod val="115000"/>
+                </a:srgbClr>
+              </a:gs>
+              <a:gs pos="50000">
+                <a:srgbClr val="C00000">
+                  <a:shade val="67500"/>
+                  <a:satMod val="115000"/>
+                </a:srgbClr>
+              </a:gs>
+              <a:gs pos="100000">
+                <a:srgbClr val="C00000">
+                  <a:shade val="100000"/>
+                  <a:satMod val="115000"/>
+                </a:srgbClr>
+              </a:gs>
+            </a:gsLst>
+            <a:path path="circle">
+              <a:fillToRect t="100000" r="100000"/>
+            </a:path>
+            <a:tileRect l="-100000" b="-100000"/>
+          </a:gradFill>
+        </p:spPr>
+        <p:txBody>
+          <a:bodyPr>
+            <a:normAutofit/>
+          </a:bodyPr>
+          <a:lstStyle/>
+          <a:p>
+            <a:pPr algn="l"/>
+            <a:r>
+              <a:rPr lang="en-US" altLang="zh-TW" b="1" dirty="0">
+                <a:solidFill>
+                  <a:srgbClr val="FFFF00"/>
+                </a:solidFill>
+              </a:rPr>
+              <a:t>16 Training Set (Part 2)</a:t>
+            </a:r>
+            <a:endParaRPr lang="zh-TW" altLang="en-US" b="1" dirty="0">
+              <a:solidFill>
+                <a:srgbClr val="FFFF00"/>
+              </a:solidFill>
+            </a:endParaRPr>
+          </a:p>
+        </p:txBody>
+      </p:sp>
+      <p:sp>
+        <p:nvSpPr>
+          <p:cNvPr id="3" name="副標題 2"/>
+          <p:cNvSpPr>
+            <a:spLocks noGrp="1"/>
+          </p:cNvSpPr>
+          <p:nvPr>
+            <p:ph type="subTitle" idx="1"/>
+          </p:nvPr>
+        </p:nvSpPr>
+        <p:spPr>
+          <a:xfrm>
+            <a:off x="457200" y="1325449"/>
+            <a:ext cx="8352928" cy="5030901"/>
+          </a:xfrm>
+          <a:ln>
+            <a:solidFill>
+              <a:srgbClr val="C00000"/>
+            </a:solidFill>
+          </a:ln>
+        </p:spPr>
+        <p:txBody>
+          <a:bodyPr>
+            <a:noAutofit/>
+          </a:bodyPr>
+          <a:lstStyle/>
+          <a:p>
+            <a:pPr marL="342900" indent="-342900" algn="l">
+              <a:buClr>
+                <a:srgbClr val="0070C0"/>
+              </a:buClr>
+              <a:buSzPct val="80000"/>
+              <a:buFont typeface="Wingdings" pitchFamily="2" charset="2"/>
+              <a:buChar char="u"/>
+            </a:pPr>
+            <a:r>
+              <a:rPr lang="en-US" sz="1800" b="1" dirty="0">
+                <a:solidFill>
+                  <a:schemeClr val="tx1"/>
+                </a:solidFill>
+              </a:rPr>
+              <a:t>Train_set:</a:t>
+            </a:r>
+          </a:p>
+          <a:p>
+            <a:pPr marL="800100" lvl="1" indent="-342900" algn="l">
+              <a:buClr>
+                <a:srgbClr val="0070C0"/>
+              </a:buClr>
+              <a:buSzPct val="80000"/>
+              <a:buFont typeface="Wingdings" pitchFamily="2" charset="2"/>
+              <a:buChar char="u"/>
+            </a:pPr>
+            <a:r>
+              <a:rPr lang="en-US" sz="1800" dirty="0">
+                <a:solidFill>
+                  <a:schemeClr val="tx1"/>
+                </a:solidFill>
+              </a:rPr>
+              <a:t>The train_set is an instance of the Fashion in this class that also live inside the torchvision package.</a:t>
+            </a:r>
+          </a:p>
+          <a:p>
+            <a:pPr marL="800100" lvl="1" indent="-342900" algn="l">
+              <a:buClr>
+                <a:srgbClr val="0070C0"/>
+              </a:buClr>
+              <a:buSzPct val="80000"/>
+              <a:buFont typeface="Wingdings" pitchFamily="2" charset="2"/>
+              <a:buChar char="u"/>
+            </a:pPr>
+            <a:r>
+              <a:rPr lang="en-US" sz="1800" dirty="0">
+                <a:solidFill>
+                  <a:schemeClr val="tx1"/>
+                </a:solidFill>
+              </a:rPr>
+              <a:t>In the constructor, we specify the directory where the data is located on disk.</a:t>
+            </a:r>
+          </a:p>
+          <a:p>
+            <a:pPr marL="800100" lvl="1" indent="-342900" algn="l">
+              <a:buClr>
+                <a:srgbClr val="0070C0"/>
+              </a:buClr>
+              <a:buSzPct val="80000"/>
+              <a:buFont typeface="Wingdings" pitchFamily="2" charset="2"/>
+              <a:buChar char="u"/>
+            </a:pPr>
+            <a:r>
+              <a:rPr lang="en-US" sz="1800" dirty="0">
+                <a:solidFill>
+                  <a:schemeClr val="tx1"/>
+                </a:solidFill>
+              </a:rPr>
+              <a:t>We want the data to be the train data.</a:t>
+            </a:r>
+          </a:p>
+          <a:p>
+            <a:pPr marL="800100" lvl="1" indent="-342900" algn="l">
+              <a:buClr>
+                <a:srgbClr val="0070C0"/>
+              </a:buClr>
+              <a:buSzPct val="80000"/>
+              <a:buFont typeface="Wingdings" pitchFamily="2" charset="2"/>
+              <a:buChar char="u"/>
+            </a:pPr>
+            <a:r>
+              <a:rPr lang="en-US" sz="1800" dirty="0">
+                <a:solidFill>
+                  <a:schemeClr val="tx1"/>
+                </a:solidFill>
+              </a:rPr>
+              <a:t>The data should be downloaded if it does not existed on disk.</a:t>
+            </a:r>
+          </a:p>
+          <a:p>
+            <a:pPr marL="800100" lvl="1" indent="-342900" algn="l">
+              <a:buClr>
+                <a:srgbClr val="0070C0"/>
+              </a:buClr>
+              <a:buSzPct val="80000"/>
+              <a:buFont typeface="Wingdings" pitchFamily="2" charset="2"/>
+              <a:buChar char="u"/>
+            </a:pPr>
+            <a:r>
+              <a:rPr lang="en-US" sz="1800" dirty="0">
+                <a:solidFill>
+                  <a:schemeClr val="tx1"/>
+                </a:solidFill>
+              </a:rPr>
+              <a:t>And finally, we define a transform should be performed on our data element.</a:t>
+            </a:r>
+          </a:p>
+          <a:p>
+            <a:pPr marL="800100" lvl="1" indent="-342900" algn="l">
+              <a:buClr>
+                <a:srgbClr val="0070C0"/>
+              </a:buClr>
+              <a:buSzPct val="80000"/>
+              <a:buFont typeface="Wingdings" pitchFamily="2" charset="2"/>
+              <a:buChar char="u"/>
+            </a:pPr>
+            <a:r>
+              <a:rPr lang="en-US" sz="1800" dirty="0">
+                <a:solidFill>
+                  <a:schemeClr val="tx1"/>
+                </a:solidFill>
+              </a:rPr>
+              <a:t>The composed class allows us to create a composition of transformation. </a:t>
+            </a:r>
+          </a:p>
+          <a:p>
+            <a:pPr marL="800100" lvl="1" indent="-342900" algn="l">
+              <a:buClr>
+                <a:srgbClr val="0070C0"/>
+              </a:buClr>
+              <a:buSzPct val="80000"/>
+              <a:buFont typeface="Wingdings" pitchFamily="2" charset="2"/>
+              <a:buChar char="u"/>
+            </a:pPr>
+            <a:r>
+              <a:rPr lang="en-US" sz="1800" dirty="0">
+                <a:solidFill>
+                  <a:schemeClr val="tx1"/>
+                </a:solidFill>
+              </a:rPr>
+              <a:t>In this case, we turn our data into a tensor which is a single transformation.</a:t>
+            </a:r>
+          </a:p>
+          <a:p>
+            <a:pPr marL="342900" indent="-342900" algn="l">
+              <a:buClr>
+                <a:srgbClr val="0070C0"/>
+              </a:buClr>
+              <a:buSzPct val="80000"/>
+              <a:buFont typeface="Wingdings" pitchFamily="2" charset="2"/>
+              <a:buChar char="u"/>
+            </a:pPr>
+            <a:r>
+              <a:rPr lang="en-US" sz="1800" b="1" dirty="0">
+                <a:solidFill>
+                  <a:schemeClr val="tx1"/>
+                </a:solidFill>
+              </a:rPr>
+              <a:t>Train_loader:</a:t>
+            </a:r>
+          </a:p>
+          <a:p>
+            <a:pPr marL="800100" lvl="1" indent="-342900" algn="l">
+              <a:buClr>
+                <a:srgbClr val="0070C0"/>
+              </a:buClr>
+              <a:buSzPct val="80000"/>
+              <a:buFont typeface="Wingdings" pitchFamily="2" charset="2"/>
+              <a:buChar char="u"/>
+            </a:pPr>
+            <a:r>
+              <a:rPr lang="en-US" sz="1800" dirty="0">
+                <a:solidFill>
+                  <a:schemeClr val="tx1"/>
+                </a:solidFill>
+              </a:rPr>
+              <a:t>For the train_loader, we are using the </a:t>
+            </a:r>
+            <a:r>
+              <a:rPr lang="en-US" sz="1800" dirty="0" err="1">
+                <a:solidFill>
+                  <a:schemeClr val="tx1"/>
+                </a:solidFill>
+              </a:rPr>
+              <a:t>DataLoader</a:t>
+            </a:r>
+            <a:r>
+              <a:rPr lang="en-US" sz="1800" dirty="0">
+                <a:solidFill>
+                  <a:schemeClr val="tx1"/>
+                </a:solidFill>
+              </a:rPr>
+              <a:t> constructor and passing the train_set and </a:t>
+            </a:r>
+            <a:r>
+              <a:rPr lang="en-US" sz="1800" dirty="0" err="1">
+                <a:solidFill>
+                  <a:schemeClr val="tx1"/>
+                </a:solidFill>
+              </a:rPr>
+              <a:t>batch_size</a:t>
+            </a:r>
+            <a:r>
+              <a:rPr lang="en-US" sz="1800" dirty="0">
+                <a:solidFill>
+                  <a:schemeClr val="tx1"/>
+                </a:solidFill>
+              </a:rPr>
+              <a:t> of 10.</a:t>
+            </a:r>
+          </a:p>
+          <a:p>
+            <a:pPr marL="800100" lvl="1" indent="-342900" algn="l">
+              <a:buClr>
+                <a:srgbClr val="0070C0"/>
+              </a:buClr>
+              <a:buSzPct val="80000"/>
+              <a:buFont typeface="Wingdings" pitchFamily="2" charset="2"/>
+              <a:buChar char="u"/>
+            </a:pPr>
+            <a:r>
+              <a:rPr lang="en-US" sz="1800" dirty="0">
+                <a:solidFill>
+                  <a:schemeClr val="tx1"/>
+                </a:solidFill>
+              </a:rPr>
+              <a:t>Note, we did not specify the batch_size in the last discussion.</a:t>
+            </a:r>
+          </a:p>
+          <a:p>
+            <a:pPr marL="800100" lvl="1" indent="-342900" algn="l">
+              <a:buClr>
+                <a:srgbClr val="0070C0"/>
+              </a:buClr>
+              <a:buSzPct val="80000"/>
+              <a:buFont typeface="Wingdings" pitchFamily="2" charset="2"/>
+              <a:buChar char="u"/>
+            </a:pPr>
+            <a:r>
+              <a:rPr lang="en-US" sz="1800" dirty="0">
+                <a:solidFill>
+                  <a:schemeClr val="tx1"/>
+                </a:solidFill>
+              </a:rPr>
+              <a:t>The default batch_size = 1 if we do not specify an alternative here. We can see more images in this discussion.</a:t>
+            </a:r>
+          </a:p>
+        </p:txBody>
+      </p:sp>
+      <p:sp>
+        <p:nvSpPr>
+          <p:cNvPr id="4" name="標題 1"/>
+          <p:cNvSpPr txBox="1">
+            <a:spLocks/>
+          </p:cNvSpPr>
+          <p:nvPr/>
+        </p:nvSpPr>
+        <p:spPr>
+          <a:xfrm>
+            <a:off x="0" y="764704"/>
+            <a:ext cx="9144000" cy="360040"/>
+          </a:xfrm>
+          <a:prstGeom prst="rect">
+            <a:avLst/>
+          </a:prstGeom>
+          <a:gradFill flip="none" rotWithShape="1">
+            <a:gsLst>
+              <a:gs pos="0">
+                <a:srgbClr val="00B0F0">
+                  <a:shade val="30000"/>
+                  <a:satMod val="115000"/>
+                </a:srgbClr>
+              </a:gs>
+              <a:gs pos="50000">
+                <a:srgbClr val="00B0F0">
+                  <a:shade val="67500"/>
+                  <a:satMod val="115000"/>
+                </a:srgbClr>
+              </a:gs>
+              <a:gs pos="100000">
+                <a:srgbClr val="00B0F0">
+                  <a:shade val="100000"/>
+                  <a:satMod val="115000"/>
+                </a:srgbClr>
+              </a:gs>
+            </a:gsLst>
+            <a:path path="circle">
+              <a:fillToRect t="100000" r="100000"/>
+            </a:path>
+            <a:tileRect l="-100000" b="-100000"/>
+          </a:gradFill>
+        </p:spPr>
+        <p:txBody>
+          <a:bodyPr vert="horz" lIns="91440" tIns="45720" rIns="91440" bIns="45720" rtlCol="0" anchor="ctr">
+            <a:normAutofit fontScale="92500"/>
+          </a:bodyPr>
+          <a:lstStyle/>
+          <a:p>
+            <a:pPr lvl="0">
+              <a:spcBef>
+                <a:spcPct val="0"/>
+              </a:spcBef>
+            </a:pPr>
+            <a:r>
+              <a:rPr lang="en-US" sz="1600" dirty="0">
+                <a:hlinkClick r:id="rId2"/>
+              </a:rPr>
+              <a:t>https://www.youtube.com/watch?v=mUueSPmcOBc&amp;list=PLZbbT5o_s2xrfNyHZsM6ufI0iZENK9xgG&amp;index=16</a:t>
+            </a:r>
+            <a:endParaRPr kumimoji="0" lang="zh-TW" altLang="en-US" sz="1600" b="0" i="0" u="none" strike="noStrike" kern="1200" cap="none" spc="0" normalizeH="0" baseline="0" noProof="0" dirty="0">
+              <a:ln>
+                <a:noFill/>
+              </a:ln>
+              <a:solidFill>
+                <a:schemeClr val="tx1"/>
+              </a:solidFill>
+              <a:effectLst/>
+              <a:uLnTx/>
+              <a:uFillTx/>
+              <a:latin typeface="+mj-lt"/>
+              <a:ea typeface="+mj-ea"/>
+              <a:cs typeface="+mj-cs"/>
+            </a:endParaRPr>
+          </a:p>
+        </p:txBody>
+      </p:sp>
+      <p:sp>
+        <p:nvSpPr>
+          <p:cNvPr id="5" name="日期版面配置區 4"/>
+          <p:cNvSpPr>
+            <a:spLocks noGrp="1"/>
+          </p:cNvSpPr>
+          <p:nvPr>
+            <p:ph type="dt" sz="half" idx="10"/>
+          </p:nvPr>
+        </p:nvSpPr>
+        <p:spPr/>
+        <p:txBody>
+          <a:bodyPr/>
+          <a:lstStyle/>
+          <a:p>
+            <a:fld id="{A4F910E6-8D00-4BAF-8C48-9688E0B449D3}" type="datetime1">
+              <a:rPr lang="zh-TW" altLang="en-US" smtClean="0"/>
+              <a:pPr/>
+              <a:t>2020/5/30</a:t>
+            </a:fld>
+            <a:endParaRPr lang="zh-TW" altLang="en-US"/>
+          </a:p>
+        </p:txBody>
+      </p:sp>
+      <p:sp>
+        <p:nvSpPr>
+          <p:cNvPr id="6" name="投影片編號版面配置區 5"/>
+          <p:cNvSpPr>
+            <a:spLocks noGrp="1"/>
+          </p:cNvSpPr>
+          <p:nvPr>
+            <p:ph type="sldNum" sz="quarter" idx="12"/>
+          </p:nvPr>
+        </p:nvSpPr>
+        <p:spPr/>
+        <p:txBody>
+          <a:bodyPr/>
+          <a:lstStyle/>
+          <a:p>
+            <a:fld id="{E4D7E63D-91F2-4366-A2C4-1B00C9E2590E}" type="slidenum">
+              <a:rPr lang="zh-TW" altLang="en-US" smtClean="0"/>
+              <a:pPr/>
+              <a:t>4</a:t>
+            </a:fld>
+            <a:endParaRPr lang="zh-TW" altLang="en-US"/>
+          </a:p>
+        </p:txBody>
+      </p:sp>
+    </p:spTree>
+    <p:extLst>
+      <p:ext uri="{BB962C8B-B14F-4D97-AF65-F5344CB8AC3E}">
+        <p14:creationId xmlns:p14="http://schemas.microsoft.com/office/powerpoint/2010/main" val="555178639"/>
+      </p:ext>
+    </p:extLst>
+  </p:cSld>
+  <p:clrMapOvr>
+    <a:masterClrMapping/>
+  </p:clrMapOvr>
+</p:sld>
+</file>
+
+<file path=ppt/slides/slide5.xml><?xml version="1.0" encoding="utf-8"?>
+<p:sld xmlns:a="http://schemas.openxmlformats.org/drawingml/2006/main" xmlns:r="http://schemas.openxmlformats.org/officeDocument/2006/relationships" xmlns:p="http://schemas.openxmlformats.org/presentationml/2006/main">
+  <p:cSld>
+    <p:spTree>
+      <p:nvGrpSpPr>
+        <p:cNvPr id="1" name=""/>
+        <p:cNvGrpSpPr/>
+        <p:nvPr/>
+      </p:nvGrpSpPr>
+      <p:grpSpPr>
+        <a:xfrm>
+          <a:off x="0" y="0"/>
+          <a:ext cx="0" cy="0"/>
+          <a:chOff x="0" y="0"/>
+          <a:chExt cx="0" cy="0"/>
+        </a:xfrm>
+      </p:grpSpPr>
+      <p:sp>
+        <p:nvSpPr>
+          <p:cNvPr id="2" name="標題 1"/>
+          <p:cNvSpPr>
+            <a:spLocks noGrp="1"/>
+          </p:cNvSpPr>
+          <p:nvPr>
+            <p:ph type="ctrTitle"/>
+          </p:nvPr>
+        </p:nvSpPr>
+        <p:spPr>
+          <a:xfrm>
+            <a:off x="0" y="1"/>
+            <a:ext cx="9144000" cy="764704"/>
+          </a:xfrm>
+          <a:gradFill flip="none" rotWithShape="1">
+            <a:gsLst>
+              <a:gs pos="0">
+                <a:srgbClr val="C00000">
+                  <a:shade val="30000"/>
+                  <a:satMod val="115000"/>
+                </a:srgbClr>
+              </a:gs>
+              <a:gs pos="50000">
+                <a:srgbClr val="C00000">
+                  <a:shade val="67500"/>
+                  <a:satMod val="115000"/>
+                </a:srgbClr>
+              </a:gs>
+              <a:gs pos="100000">
+                <a:srgbClr val="C00000">
+                  <a:shade val="100000"/>
+                  <a:satMod val="115000"/>
+                </a:srgbClr>
+              </a:gs>
+            </a:gsLst>
+            <a:path path="circle">
+              <a:fillToRect t="100000" r="100000"/>
+            </a:path>
+            <a:tileRect l="-100000" b="-100000"/>
+          </a:gradFill>
+        </p:spPr>
+        <p:txBody>
+          <a:bodyPr>
+            <a:normAutofit/>
+          </a:bodyPr>
+          <a:lstStyle/>
+          <a:p>
+            <a:pPr algn="l"/>
+            <a:r>
+              <a:rPr lang="en-US" altLang="zh-TW" b="1" dirty="0">
+                <a:solidFill>
+                  <a:srgbClr val="FFFF00"/>
+                </a:solidFill>
+              </a:rPr>
+              <a:t>16 Training Set (Part 2)</a:t>
+            </a:r>
+            <a:endParaRPr lang="zh-TW" altLang="en-US" b="1" dirty="0">
+              <a:solidFill>
+                <a:srgbClr val="FFFF00"/>
+              </a:solidFill>
+            </a:endParaRPr>
+          </a:p>
+        </p:txBody>
+      </p:sp>
+      <p:sp>
+        <p:nvSpPr>
+          <p:cNvPr id="3" name="副標題 2"/>
+          <p:cNvSpPr>
+            <a:spLocks noGrp="1"/>
+          </p:cNvSpPr>
+          <p:nvPr>
+            <p:ph type="subTitle" idx="1"/>
+          </p:nvPr>
+        </p:nvSpPr>
+        <p:spPr>
+          <a:xfrm>
+            <a:off x="457200" y="1325449"/>
+            <a:ext cx="8352928" cy="3327687"/>
+          </a:xfrm>
+          <a:ln>
+            <a:solidFill>
+              <a:srgbClr val="C00000"/>
+            </a:solidFill>
+          </a:ln>
+        </p:spPr>
+        <p:txBody>
+          <a:bodyPr>
+            <a:noAutofit/>
+          </a:bodyPr>
+          <a:lstStyle/>
+          <a:p>
+            <a:pPr marL="342900" indent="-342900" algn="l">
+              <a:buClr>
+                <a:srgbClr val="0070C0"/>
+              </a:buClr>
+              <a:buSzPct val="80000"/>
+              <a:buFont typeface="Wingdings" pitchFamily="2" charset="2"/>
+              <a:buChar char="u"/>
+            </a:pPr>
+            <a:r>
+              <a:rPr lang="en-US" sz="1800" dirty="0">
+                <a:solidFill>
+                  <a:schemeClr val="tx1"/>
+                </a:solidFill>
+              </a:rPr>
+              <a:t>We do some operations to understand our data.</a:t>
+            </a:r>
+          </a:p>
+          <a:p>
+            <a:pPr marL="342900" indent="-342900" algn="l">
+              <a:buClr>
+                <a:srgbClr val="0070C0"/>
+              </a:buClr>
+              <a:buSzPct val="80000"/>
+              <a:buFont typeface="Wingdings" pitchFamily="2" charset="2"/>
+              <a:buChar char="u"/>
+            </a:pPr>
+            <a:r>
+              <a:rPr lang="en-US" sz="1800" dirty="0">
+                <a:solidFill>
+                  <a:schemeClr val="tx1"/>
+                </a:solidFill>
+              </a:rPr>
+              <a:t>We import </a:t>
+            </a:r>
+            <a:r>
+              <a:rPr lang="en-US" sz="1800" dirty="0" err="1">
+                <a:solidFill>
+                  <a:schemeClr val="tx1"/>
+                </a:solidFill>
+              </a:rPr>
+              <a:t>numpy</a:t>
+            </a:r>
+            <a:r>
+              <a:rPr lang="en-US" sz="1800" dirty="0">
+                <a:solidFill>
+                  <a:schemeClr val="tx1"/>
+                </a:solidFill>
+              </a:rPr>
+              <a:t> and import </a:t>
+            </a:r>
+            <a:r>
+              <a:rPr lang="en-US" sz="1800" dirty="0" err="1">
+                <a:solidFill>
+                  <a:schemeClr val="tx1"/>
+                </a:solidFill>
+              </a:rPr>
+              <a:t>pyplot</a:t>
+            </a:r>
+            <a:r>
+              <a:rPr lang="en-US" sz="1800" dirty="0">
+                <a:solidFill>
+                  <a:schemeClr val="tx1"/>
+                </a:solidFill>
+              </a:rPr>
+              <a:t> class within matplotlib package.</a:t>
+            </a:r>
+          </a:p>
+          <a:p>
+            <a:pPr marL="342900" indent="-342900" algn="l">
+              <a:buClr>
+                <a:srgbClr val="0070C0"/>
+              </a:buClr>
+              <a:buSzPct val="80000"/>
+              <a:buFont typeface="Wingdings" pitchFamily="2" charset="2"/>
+              <a:buChar char="u"/>
+            </a:pPr>
+            <a:r>
+              <a:rPr lang="en-US" sz="1800" dirty="0">
+                <a:solidFill>
+                  <a:schemeClr val="tx1"/>
+                </a:solidFill>
+              </a:rPr>
+              <a:t>&gt; import </a:t>
+            </a:r>
+            <a:r>
+              <a:rPr lang="en-US" sz="1800" dirty="0" err="1">
+                <a:solidFill>
+                  <a:schemeClr val="tx1"/>
+                </a:solidFill>
+              </a:rPr>
+              <a:t>numpy</a:t>
+            </a:r>
+            <a:r>
+              <a:rPr lang="en-US" sz="1800" dirty="0">
+                <a:solidFill>
+                  <a:schemeClr val="tx1"/>
+                </a:solidFill>
+              </a:rPr>
+              <a:t> as np</a:t>
+            </a:r>
+          </a:p>
+          <a:p>
+            <a:pPr marL="342900" indent="-342900" algn="l">
+              <a:buClr>
+                <a:srgbClr val="0070C0"/>
+              </a:buClr>
+              <a:buSzPct val="80000"/>
+              <a:buFont typeface="Wingdings" pitchFamily="2" charset="2"/>
+              <a:buChar char="u"/>
+            </a:pPr>
+            <a:r>
+              <a:rPr lang="en-US" sz="1800" dirty="0">
+                <a:solidFill>
+                  <a:schemeClr val="tx1"/>
+                </a:solidFill>
+              </a:rPr>
+              <a:t>&gt; import </a:t>
+            </a:r>
+            <a:r>
+              <a:rPr lang="en-US" sz="1800" dirty="0" err="1">
+                <a:solidFill>
+                  <a:schemeClr val="tx1"/>
+                </a:solidFill>
+              </a:rPr>
+              <a:t>matplotlib.pyplot</a:t>
+            </a:r>
+            <a:r>
+              <a:rPr lang="en-US" sz="1800" dirty="0">
+                <a:solidFill>
+                  <a:schemeClr val="tx1"/>
+                </a:solidFill>
+              </a:rPr>
+              <a:t> as </a:t>
+            </a:r>
+            <a:r>
+              <a:rPr lang="en-US" sz="1800" dirty="0" err="1">
+                <a:solidFill>
+                  <a:schemeClr val="tx1"/>
+                </a:solidFill>
+              </a:rPr>
+              <a:t>plt</a:t>
+            </a:r>
+            <a:endParaRPr lang="en-US" sz="1800" dirty="0">
+              <a:solidFill>
+                <a:schemeClr val="tx1"/>
+              </a:solidFill>
+            </a:endParaRPr>
+          </a:p>
+          <a:p>
+            <a:pPr marL="342900" indent="-342900" algn="l">
+              <a:buClr>
+                <a:srgbClr val="0070C0"/>
+              </a:buClr>
+              <a:buSzPct val="80000"/>
+              <a:buFont typeface="Wingdings" pitchFamily="2" charset="2"/>
+              <a:buChar char="u"/>
+            </a:pPr>
+            <a:r>
+              <a:rPr lang="en-US" sz="1800" dirty="0">
+                <a:solidFill>
+                  <a:schemeClr val="tx1"/>
+                </a:solidFill>
+              </a:rPr>
+              <a:t># Print line width</a:t>
+            </a:r>
+          </a:p>
+          <a:p>
+            <a:pPr marL="342900" indent="-342900" algn="l">
+              <a:buClr>
+                <a:srgbClr val="0070C0"/>
+              </a:buClr>
+              <a:buSzPct val="80000"/>
+              <a:buFont typeface="Wingdings" pitchFamily="2" charset="2"/>
+              <a:buChar char="u"/>
+            </a:pPr>
+            <a:r>
+              <a:rPr lang="en-US" sz="1800" dirty="0">
+                <a:solidFill>
+                  <a:schemeClr val="tx1"/>
+                </a:solidFill>
+              </a:rPr>
+              <a:t>&gt; </a:t>
+            </a:r>
+            <a:r>
+              <a:rPr lang="en-US" sz="1800" dirty="0" err="1">
+                <a:solidFill>
+                  <a:schemeClr val="tx1"/>
+                </a:solidFill>
+              </a:rPr>
+              <a:t>torch.set_printoptions</a:t>
+            </a:r>
+            <a:r>
+              <a:rPr lang="en-US" sz="1800" dirty="0">
+                <a:solidFill>
+                  <a:schemeClr val="tx1"/>
+                </a:solidFill>
+              </a:rPr>
+              <a:t>(linewidth=120)</a:t>
+            </a:r>
+          </a:p>
+          <a:p>
+            <a:pPr marL="342900" indent="-342900" algn="l">
+              <a:buClr>
+                <a:srgbClr val="0070C0"/>
+              </a:buClr>
+              <a:buSzPct val="80000"/>
+              <a:buFont typeface="Wingdings" pitchFamily="2" charset="2"/>
+              <a:buChar char="u"/>
+            </a:pPr>
+            <a:r>
+              <a:rPr lang="en-US" sz="1800" dirty="0">
+                <a:solidFill>
+                  <a:schemeClr val="tx1"/>
+                </a:solidFill>
+              </a:rPr>
+              <a:t>&gt; print ('\</a:t>
+            </a:r>
+            <a:r>
+              <a:rPr lang="en-US" sz="1800" dirty="0" err="1">
+                <a:solidFill>
+                  <a:schemeClr val="tx1"/>
+                </a:solidFill>
+              </a:rPr>
+              <a:t>nlen</a:t>
+            </a:r>
+            <a:r>
+              <a:rPr lang="en-US" sz="1800" dirty="0">
+                <a:solidFill>
+                  <a:schemeClr val="tx1"/>
+                </a:solidFill>
+              </a:rPr>
+              <a:t>(train_set):', </a:t>
+            </a:r>
+            <a:r>
+              <a:rPr lang="en-US" sz="1800" dirty="0" err="1">
+                <a:solidFill>
+                  <a:schemeClr val="tx1"/>
+                </a:solidFill>
+              </a:rPr>
+              <a:t>len</a:t>
+            </a:r>
+            <a:r>
+              <a:rPr lang="en-US" sz="1800" dirty="0">
+                <a:solidFill>
+                  <a:schemeClr val="tx1"/>
+                </a:solidFill>
+              </a:rPr>
+              <a:t>(train_set))</a:t>
+            </a:r>
+          </a:p>
+          <a:p>
+            <a:pPr marL="342900" indent="-342900" algn="l">
+              <a:buClr>
+                <a:srgbClr val="0070C0"/>
+              </a:buClr>
+              <a:buSzPct val="80000"/>
+              <a:buFont typeface="Wingdings" pitchFamily="2" charset="2"/>
+              <a:buChar char="u"/>
+            </a:pPr>
+            <a:r>
+              <a:rPr lang="en-US" sz="1800" dirty="0">
+                <a:solidFill>
+                  <a:schemeClr val="tx1"/>
+                </a:solidFill>
+              </a:rPr>
+              <a:t># train_set length is 60,000</a:t>
+            </a:r>
+          </a:p>
+          <a:p>
+            <a:pPr marL="342900" indent="-342900" algn="l">
+              <a:buClr>
+                <a:srgbClr val="0070C0"/>
+              </a:buClr>
+              <a:buSzPct val="80000"/>
+              <a:buFont typeface="Wingdings" pitchFamily="2" charset="2"/>
+              <a:buChar char="u"/>
+            </a:pPr>
+            <a:r>
+              <a:rPr lang="en-US" sz="1800" dirty="0">
+                <a:solidFill>
+                  <a:schemeClr val="tx1"/>
+                </a:solidFill>
+              </a:rPr>
+              <a:t>&gt; print ('\</a:t>
+            </a:r>
+            <a:r>
+              <a:rPr lang="en-US" sz="1800" dirty="0" err="1">
+                <a:solidFill>
+                  <a:schemeClr val="tx1"/>
+                </a:solidFill>
+              </a:rPr>
+              <a:t>ntrain_set.train_labels</a:t>
+            </a:r>
+            <a:r>
+              <a:rPr lang="en-US" sz="1800" dirty="0">
+                <a:solidFill>
+                  <a:schemeClr val="tx1"/>
+                </a:solidFill>
+              </a:rPr>
+              <a:t>:', </a:t>
+            </a:r>
+            <a:r>
+              <a:rPr lang="en-US" sz="1800" dirty="0" err="1">
+                <a:solidFill>
+                  <a:schemeClr val="tx1"/>
+                </a:solidFill>
+              </a:rPr>
+              <a:t>train_set.train_labels</a:t>
+            </a:r>
+            <a:r>
+              <a:rPr lang="en-US" sz="1800" dirty="0">
+                <a:solidFill>
+                  <a:schemeClr val="tx1"/>
+                </a:solidFill>
+              </a:rPr>
+              <a:t>)</a:t>
+            </a:r>
+          </a:p>
+          <a:p>
+            <a:pPr marL="342900" indent="-342900" algn="l">
+              <a:buClr>
+                <a:srgbClr val="0070C0"/>
+              </a:buClr>
+              <a:buSzPct val="80000"/>
+              <a:buFont typeface="Wingdings" pitchFamily="2" charset="2"/>
+              <a:buChar char="u"/>
+            </a:pPr>
+            <a:r>
+              <a:rPr lang="en-US" sz="1800" dirty="0">
+                <a:solidFill>
+                  <a:schemeClr val="tx1"/>
+                </a:solidFill>
+              </a:rPr>
+              <a:t># [9, 0, 0, …, 3, 0, 5]: category 9 is Ankle Boot, category 0 is T-shirt </a:t>
+            </a:r>
+          </a:p>
+        </p:txBody>
+      </p:sp>
+      <p:sp>
+        <p:nvSpPr>
+          <p:cNvPr id="4" name="標題 1"/>
+          <p:cNvSpPr txBox="1">
+            <a:spLocks/>
+          </p:cNvSpPr>
+          <p:nvPr/>
+        </p:nvSpPr>
+        <p:spPr>
+          <a:xfrm>
+            <a:off x="0" y="764704"/>
+            <a:ext cx="9144000" cy="360040"/>
+          </a:xfrm>
+          <a:prstGeom prst="rect">
+            <a:avLst/>
+          </a:prstGeom>
+          <a:gradFill flip="none" rotWithShape="1">
+            <a:gsLst>
+              <a:gs pos="0">
+                <a:srgbClr val="00B0F0">
+                  <a:shade val="30000"/>
+                  <a:satMod val="115000"/>
+                </a:srgbClr>
+              </a:gs>
+              <a:gs pos="50000">
+                <a:srgbClr val="00B0F0">
+                  <a:shade val="67500"/>
+                  <a:satMod val="115000"/>
+                </a:srgbClr>
+              </a:gs>
+              <a:gs pos="100000">
+                <a:srgbClr val="00B0F0">
+                  <a:shade val="100000"/>
+                  <a:satMod val="115000"/>
+                </a:srgbClr>
+              </a:gs>
+            </a:gsLst>
+            <a:path path="circle">
+              <a:fillToRect t="100000" r="100000"/>
+            </a:path>
+            <a:tileRect l="-100000" b="-100000"/>
+          </a:gradFill>
+        </p:spPr>
+        <p:txBody>
+          <a:bodyPr vert="horz" lIns="91440" tIns="45720" rIns="91440" bIns="45720" rtlCol="0" anchor="ctr">
+            <a:normAutofit fontScale="92500"/>
+          </a:bodyPr>
+          <a:lstStyle/>
+          <a:p>
+            <a:pPr lvl="0">
+              <a:spcBef>
+                <a:spcPct val="0"/>
+              </a:spcBef>
+            </a:pPr>
+            <a:r>
+              <a:rPr lang="en-US" sz="1600" dirty="0">
+                <a:hlinkClick r:id="rId2"/>
+              </a:rPr>
+              <a:t>https://www.youtube.com/watch?v=mUueSPmcOBc&amp;list=PLZbbT5o_s2xrfNyHZsM6ufI0iZENK9xgG&amp;index=16</a:t>
+            </a:r>
+            <a:endParaRPr kumimoji="0" lang="zh-TW" altLang="en-US" sz="1600" b="0" i="0" u="none" strike="noStrike" kern="1200" cap="none" spc="0" normalizeH="0" baseline="0" noProof="0" dirty="0">
+              <a:ln>
+                <a:noFill/>
+              </a:ln>
+              <a:solidFill>
+                <a:schemeClr val="tx1"/>
+              </a:solidFill>
+              <a:effectLst/>
+              <a:uLnTx/>
+              <a:uFillTx/>
+              <a:latin typeface="+mj-lt"/>
+              <a:ea typeface="+mj-ea"/>
+              <a:cs typeface="+mj-cs"/>
+            </a:endParaRPr>
+          </a:p>
+        </p:txBody>
+      </p:sp>
+      <p:sp>
+        <p:nvSpPr>
+          <p:cNvPr id="5" name="日期版面配置區 4"/>
+          <p:cNvSpPr>
+            <a:spLocks noGrp="1"/>
+          </p:cNvSpPr>
+          <p:nvPr>
+            <p:ph type="dt" sz="half" idx="10"/>
+          </p:nvPr>
+        </p:nvSpPr>
+        <p:spPr/>
+        <p:txBody>
+          <a:bodyPr/>
+          <a:lstStyle/>
+          <a:p>
+            <a:fld id="{A4F910E6-8D00-4BAF-8C48-9688E0B449D3}" type="datetime1">
+              <a:rPr lang="zh-TW" altLang="en-US" smtClean="0"/>
+              <a:pPr/>
+              <a:t>2020/5/30</a:t>
+            </a:fld>
+            <a:endParaRPr lang="zh-TW" altLang="en-US"/>
+          </a:p>
+        </p:txBody>
+      </p:sp>
+      <p:sp>
+        <p:nvSpPr>
+          <p:cNvPr id="6" name="投影片編號版面配置區 5"/>
+          <p:cNvSpPr>
+            <a:spLocks noGrp="1"/>
+          </p:cNvSpPr>
+          <p:nvPr>
+            <p:ph type="sldNum" sz="quarter" idx="12"/>
+          </p:nvPr>
+        </p:nvSpPr>
+        <p:spPr/>
+        <p:txBody>
+          <a:bodyPr/>
+          <a:lstStyle/>
+          <a:p>
+            <a:fld id="{E4D7E63D-91F2-4366-A2C4-1B00C9E2590E}" type="slidenum">
+              <a:rPr lang="zh-TW" altLang="en-US" smtClean="0"/>
+              <a:pPr/>
+              <a:t>5</a:t>
+            </a:fld>
+            <a:endParaRPr lang="zh-TW" altLang="en-US"/>
+          </a:p>
+        </p:txBody>
+      </p:sp>
+    </p:spTree>
+    <p:extLst>
+      <p:ext uri="{BB962C8B-B14F-4D97-AF65-F5344CB8AC3E}">
+        <p14:creationId xmlns:p14="http://schemas.microsoft.com/office/powerpoint/2010/main" val="456903605"/>
+      </p:ext>
+    </p:extLst>
+  </p:cSld>
+  <p:clrMapOvr>
+    <a:masterClrMapping/>
+  </p:clrMapOvr>
+</p:sld>
+</file>
+
+<file path=ppt/slides/slide6.xml><?xml version="1.0" encoding="utf-8"?>
+<p:sld xmlns:a="http://schemas.openxmlformats.org/drawingml/2006/main" xmlns:r="http://schemas.openxmlformats.org/officeDocument/2006/relationships" xmlns:p="http://schemas.openxmlformats.org/presentationml/2006/main">
+  <p:cSld>
+    <p:spTree>
+      <p:nvGrpSpPr>
+        <p:cNvPr id="1" name=""/>
+        <p:cNvGrpSpPr/>
+        <p:nvPr/>
+      </p:nvGrpSpPr>
+      <p:grpSpPr>
+        <a:xfrm>
+          <a:off x="0" y="0"/>
+          <a:ext cx="0" cy="0"/>
+          <a:chOff x="0" y="0"/>
+          <a:chExt cx="0" cy="0"/>
+        </a:xfrm>
+      </p:grpSpPr>
+      <p:sp>
+        <p:nvSpPr>
+          <p:cNvPr id="2" name="標題 1"/>
+          <p:cNvSpPr>
+            <a:spLocks noGrp="1"/>
+          </p:cNvSpPr>
+          <p:nvPr>
+            <p:ph type="ctrTitle"/>
+          </p:nvPr>
+        </p:nvSpPr>
+        <p:spPr>
+          <a:xfrm>
+            <a:off x="0" y="1"/>
+            <a:ext cx="9144000" cy="764704"/>
+          </a:xfrm>
+          <a:gradFill flip="none" rotWithShape="1">
+            <a:gsLst>
+              <a:gs pos="0">
+                <a:srgbClr val="C00000">
+                  <a:shade val="30000"/>
+                  <a:satMod val="115000"/>
+                </a:srgbClr>
+              </a:gs>
+              <a:gs pos="50000">
+                <a:srgbClr val="C00000">
+                  <a:shade val="67500"/>
+                  <a:satMod val="115000"/>
+                </a:srgbClr>
+              </a:gs>
+              <a:gs pos="100000">
+                <a:srgbClr val="C00000">
+                  <a:shade val="100000"/>
+                  <a:satMod val="115000"/>
+                </a:srgbClr>
+              </a:gs>
+            </a:gsLst>
+            <a:path path="circle">
+              <a:fillToRect t="100000" r="100000"/>
+            </a:path>
+            <a:tileRect l="-100000" b="-100000"/>
+          </a:gradFill>
+        </p:spPr>
+        <p:txBody>
+          <a:bodyPr>
+            <a:normAutofit/>
+          </a:bodyPr>
+          <a:lstStyle/>
+          <a:p>
+            <a:pPr algn="l"/>
+            <a:r>
+              <a:rPr lang="en-US" altLang="zh-TW" b="1" dirty="0">
+                <a:solidFill>
+                  <a:srgbClr val="FFFF00"/>
+                </a:solidFill>
+              </a:rPr>
+              <a:t>16 Training Set (Part 2)</a:t>
+            </a:r>
+            <a:endParaRPr lang="zh-TW" altLang="en-US" b="1" dirty="0">
+              <a:solidFill>
+                <a:srgbClr val="FFFF00"/>
+              </a:solidFill>
+            </a:endParaRPr>
+          </a:p>
+        </p:txBody>
+      </p:sp>
+      <p:sp>
+        <p:nvSpPr>
+          <p:cNvPr id="3" name="副標題 2"/>
+          <p:cNvSpPr>
+            <a:spLocks noGrp="1"/>
+          </p:cNvSpPr>
+          <p:nvPr>
+            <p:ph type="subTitle" idx="1"/>
+          </p:nvPr>
+        </p:nvSpPr>
+        <p:spPr>
+          <a:xfrm>
+            <a:off x="457200" y="1273299"/>
+            <a:ext cx="8352928" cy="954085"/>
+          </a:xfrm>
+          <a:ln>
+            <a:solidFill>
+              <a:srgbClr val="C00000"/>
+            </a:solidFill>
+          </a:ln>
+        </p:spPr>
+        <p:txBody>
+          <a:bodyPr>
+            <a:noAutofit/>
+          </a:bodyPr>
+          <a:lstStyle/>
+          <a:p>
+            <a:pPr marL="342900" indent="-342900" algn="l">
+              <a:buClr>
+                <a:srgbClr val="0070C0"/>
+              </a:buClr>
+              <a:buSzPct val="80000"/>
+              <a:buFont typeface="Wingdings" pitchFamily="2" charset="2"/>
+              <a:buChar char="u"/>
+            </a:pPr>
+            <a:r>
+              <a:rPr lang="en-US" sz="1800" dirty="0">
+                <a:solidFill>
+                  <a:schemeClr val="tx1"/>
+                </a:solidFill>
+              </a:rPr>
+              <a:t>&gt; print ('\</a:t>
+            </a:r>
+            <a:r>
+              <a:rPr lang="en-US" sz="1800" dirty="0" err="1">
+                <a:solidFill>
+                  <a:schemeClr val="tx1"/>
+                </a:solidFill>
+              </a:rPr>
+              <a:t>ntrain_set.train_labels.bincount</a:t>
+            </a:r>
+            <a:r>
+              <a:rPr lang="en-US" sz="1800" dirty="0">
+                <a:solidFill>
+                  <a:schemeClr val="tx1"/>
+                </a:solidFill>
+              </a:rPr>
+              <a:t>():', </a:t>
+            </a:r>
+            <a:r>
+              <a:rPr lang="en-US" sz="1800" dirty="0" err="1">
+                <a:solidFill>
+                  <a:schemeClr val="tx1"/>
+                </a:solidFill>
+              </a:rPr>
+              <a:t>train_set.train_labels.bincount</a:t>
+            </a:r>
+            <a:r>
+              <a:rPr lang="en-US" sz="1800" dirty="0">
+                <a:solidFill>
+                  <a:schemeClr val="tx1"/>
+                </a:solidFill>
+              </a:rPr>
+              <a:t>())</a:t>
+            </a:r>
+          </a:p>
+          <a:p>
+            <a:pPr marL="342900" indent="-342900" algn="l">
+              <a:buClr>
+                <a:srgbClr val="0070C0"/>
+              </a:buClr>
+              <a:buSzPct val="80000"/>
+              <a:buFont typeface="Wingdings" pitchFamily="2" charset="2"/>
+              <a:buChar char="u"/>
+            </a:pPr>
+            <a:r>
+              <a:rPr lang="en-US" sz="1800" dirty="0">
+                <a:solidFill>
+                  <a:schemeClr val="tx1"/>
+                </a:solidFill>
+              </a:rPr>
+              <a:t># </a:t>
+            </a:r>
+            <a:r>
+              <a:rPr lang="en-US" sz="1800" dirty="0" err="1">
+                <a:solidFill>
+                  <a:schemeClr val="tx1"/>
+                </a:solidFill>
+              </a:rPr>
+              <a:t>bincount</a:t>
+            </a:r>
+            <a:r>
+              <a:rPr lang="en-US" sz="1800" dirty="0">
+                <a:solidFill>
+                  <a:schemeClr val="tx1"/>
+                </a:solidFill>
+              </a:rPr>
+              <a:t> is frequency appeared [6000, 6000, 6000, …, 6000, 6000, 6000]  </a:t>
+            </a:r>
+          </a:p>
+          <a:p>
+            <a:pPr marL="342900" indent="-342900" algn="l">
+              <a:buClr>
+                <a:srgbClr val="0070C0"/>
+              </a:buClr>
+              <a:buSzPct val="80000"/>
+              <a:buFont typeface="Wingdings" pitchFamily="2" charset="2"/>
+              <a:buChar char="u"/>
+            </a:pPr>
+            <a:r>
+              <a:rPr lang="en-US" sz="1800" dirty="0">
+                <a:solidFill>
+                  <a:schemeClr val="tx1"/>
+                </a:solidFill>
+              </a:rPr>
+              <a:t># for each label 0-9. This is an uniform sample of all the labels.</a:t>
+            </a:r>
+          </a:p>
+        </p:txBody>
+      </p:sp>
+      <p:sp>
+        <p:nvSpPr>
+          <p:cNvPr id="4" name="標題 1"/>
+          <p:cNvSpPr txBox="1">
+            <a:spLocks/>
+          </p:cNvSpPr>
+          <p:nvPr/>
+        </p:nvSpPr>
+        <p:spPr>
+          <a:xfrm>
+            <a:off x="0" y="764704"/>
+            <a:ext cx="9144000" cy="360040"/>
+          </a:xfrm>
+          <a:prstGeom prst="rect">
+            <a:avLst/>
+          </a:prstGeom>
+          <a:gradFill flip="none" rotWithShape="1">
+            <a:gsLst>
+              <a:gs pos="0">
+                <a:srgbClr val="00B0F0">
+                  <a:shade val="30000"/>
+                  <a:satMod val="115000"/>
+                </a:srgbClr>
+              </a:gs>
+              <a:gs pos="50000">
+                <a:srgbClr val="00B0F0">
+                  <a:shade val="67500"/>
+                  <a:satMod val="115000"/>
+                </a:srgbClr>
+              </a:gs>
+              <a:gs pos="100000">
+                <a:srgbClr val="00B0F0">
+                  <a:shade val="100000"/>
+                  <a:satMod val="115000"/>
+                </a:srgbClr>
+              </a:gs>
+            </a:gsLst>
+            <a:path path="circle">
+              <a:fillToRect t="100000" r="100000"/>
+            </a:path>
+            <a:tileRect l="-100000" b="-100000"/>
+          </a:gradFill>
+        </p:spPr>
+        <p:txBody>
+          <a:bodyPr vert="horz" lIns="91440" tIns="45720" rIns="91440" bIns="45720" rtlCol="0" anchor="ctr">
+            <a:normAutofit fontScale="92500"/>
+          </a:bodyPr>
+          <a:lstStyle/>
+          <a:p>
+            <a:pPr lvl="0">
+              <a:spcBef>
+                <a:spcPct val="0"/>
+              </a:spcBef>
+            </a:pPr>
+            <a:r>
+              <a:rPr lang="en-US" sz="1600" dirty="0">
+                <a:hlinkClick r:id="rId2"/>
+              </a:rPr>
+              <a:t>https://www.youtube.com/watch?v=mUueSPmcOBc&amp;list=PLZbbT5o_s2xrfNyHZsM6ufI0iZENK9xgG&amp;index=16</a:t>
+            </a:r>
+            <a:endParaRPr kumimoji="0" lang="zh-TW" altLang="en-US" sz="1600" b="0" i="0" u="none" strike="noStrike" kern="1200" cap="none" spc="0" normalizeH="0" baseline="0" noProof="0" dirty="0">
+              <a:ln>
+                <a:noFill/>
+              </a:ln>
+              <a:solidFill>
+                <a:schemeClr val="tx1"/>
+              </a:solidFill>
+              <a:effectLst/>
+              <a:uLnTx/>
+              <a:uFillTx/>
+              <a:latin typeface="+mj-lt"/>
+              <a:ea typeface="+mj-ea"/>
+              <a:cs typeface="+mj-cs"/>
+            </a:endParaRPr>
+          </a:p>
+        </p:txBody>
+      </p:sp>
+      <p:sp>
+        <p:nvSpPr>
+          <p:cNvPr id="5" name="日期版面配置區 4"/>
+          <p:cNvSpPr>
+            <a:spLocks noGrp="1"/>
+          </p:cNvSpPr>
+          <p:nvPr>
+            <p:ph type="dt" sz="half" idx="10"/>
+          </p:nvPr>
+        </p:nvSpPr>
+        <p:spPr/>
+        <p:txBody>
+          <a:bodyPr/>
+          <a:lstStyle/>
+          <a:p>
+            <a:fld id="{A4F910E6-8D00-4BAF-8C48-9688E0B449D3}" type="datetime1">
+              <a:rPr lang="zh-TW" altLang="en-US" smtClean="0"/>
+              <a:pPr/>
+              <a:t>2020/5/30</a:t>
             </a:fld>
             <a:endParaRPr lang="zh-TW" altLang="en-US"/>
           </a:p>
@@ -10601,7 +12386,7 @@
             <a:fld id="{A4F910E6-8D00-4BAF-8C48-9688E0B449D3}" type="datetime1">
               <a:rPr lang="zh-TW" altLang="en-US" smtClean="0"/>
               <a:pPr/>
-              <a:t>2020/5/28</a:t>
+              <a:t>2020/5/30</a:t>
             </a:fld>
             <a:endParaRPr lang="zh-TW" altLang="en-US"/>
           </a:p>
@@ -10954,7 +12739,7 @@
             <a:fld id="{A4F910E6-8D00-4BAF-8C48-9688E0B449D3}" type="datetime1">
               <a:rPr lang="zh-TW" altLang="en-US" smtClean="0"/>
               <a:pPr/>
-              <a:t>2020/5/28</a:t>
+              <a:t>2020/5/30</a:t>
             </a:fld>
             <a:endParaRPr lang="zh-TW" altLang="en-US"/>
           </a:p>
@@ -11108,7 +12893,7 @@
             <a:fld id="{C389EDC9-19E3-47AC-9C57-C6A24DEA81AD}" type="datetime1">
               <a:rPr lang="zh-TW" altLang="en-US" smtClean="0"/>
               <a:pPr/>
-              <a:t>2020/5/28</a:t>
+              <a:t>2020/5/30</a:t>
             </a:fld>
             <a:endParaRPr lang="zh-TW" altLang="en-US"/>
           </a:p>
